--- a/Lessions/Bai-14-DC-Motor/Bai-14-DC-Motor.pptx
+++ b/Lessions/Bai-14-DC-Motor/Bai-14-DC-Motor.pptx
@@ -5,7 +5,7 @@
     <p:sldMasterId id="2147483660" r:id="rId1"/>
   </p:sldMasterIdLst>
   <p:notesMasterIdLst>
-    <p:notesMasterId r:id="rId19"/>
+    <p:notesMasterId r:id="rId17"/>
   </p:notesMasterIdLst>
   <p:sldIdLst>
     <p:sldId id="256" r:id="rId2"/>
@@ -19,12 +19,10 @@
     <p:sldId id="288" r:id="rId10"/>
     <p:sldId id="289" r:id="rId11"/>
     <p:sldId id="295" r:id="rId12"/>
-    <p:sldId id="266" r:id="rId13"/>
-    <p:sldId id="268" r:id="rId14"/>
-    <p:sldId id="277" r:id="rId15"/>
-    <p:sldId id="298" r:id="rId16"/>
-    <p:sldId id="296" r:id="rId17"/>
-    <p:sldId id="299" r:id="rId18"/>
+    <p:sldId id="277" r:id="rId13"/>
+    <p:sldId id="298" r:id="rId14"/>
+    <p:sldId id="296" r:id="rId15"/>
+    <p:sldId id="299" r:id="rId16"/>
   </p:sldIdLst>
   <p:sldSz cx="9144000" cy="6858000" type="screen4x3"/>
   <p:notesSz cx="6858000" cy="9144000"/>
@@ -213,7 +211,7 @@
           <a:p>
             <a:fld id="{E1BDF935-9821-4834-9D99-7DEFA719F44D}" type="datetimeFigureOut">
               <a:rPr lang="en-US" smtClean="0"/>
-              <a:t>5/25/2023</a:t>
+              <a:t>6/13/2024</a:t>
             </a:fld>
             <a:endParaRPr lang="en-US"/>
           </a:p>
@@ -2586,6 +2584,13 @@
   <p:clrMapOvr>
     <a:masterClrMapping/>
   </p:clrMapOvr>
+  <p:timing>
+    <p:tnLst>
+      <p:par>
+        <p:cTn id="1" dur="indefinite" restart="never" nodeType="tmRoot"/>
+      </p:par>
+    </p:tnLst>
+  </p:timing>
 </p:sld>
 </file>
 
@@ -3533,309 +3538,7 @@
       </p:sp>
       <p:sp>
         <p:nvSpPr>
-          <p:cNvPr id="3" name="Title 1"/>
-          <p:cNvSpPr txBox="1">
-            <a:spLocks/>
-          </p:cNvSpPr>
-          <p:nvPr/>
-        </p:nvSpPr>
-        <p:spPr>
-          <a:xfrm>
-            <a:off x="709053" y="4862785"/>
-            <a:ext cx="5644503" cy="508846"/>
-          </a:xfrm>
-          <a:prstGeom prst="rect">
-            <a:avLst/>
-          </a:prstGeom>
-        </p:spPr>
-        <p:txBody>
-          <a:bodyPr/>
-          <a:lstStyle>
-            <a:lvl1pPr algn="l" defTabSz="914400" rtl="0" eaLnBrk="1" latinLnBrk="0" hangingPunct="1">
-              <a:lnSpc>
-                <a:spcPct val="90000"/>
-              </a:lnSpc>
-              <a:spcBef>
-                <a:spcPct val="0"/>
-              </a:spcBef>
-              <a:buNone/>
-              <a:defRPr sz="3200" b="1" kern="1200">
-                <a:solidFill>
-                  <a:srgbClr val="019DD0"/>
-                </a:solidFill>
-                <a:latin typeface="Arial" panose="020B0604020202020204" pitchFamily="34" charset="0"/>
-                <a:ea typeface="+mj-ea"/>
-                <a:cs typeface="Arial" panose="020B0604020202020204" pitchFamily="34" charset="0"/>
-              </a:defRPr>
-            </a:lvl1pPr>
-          </a:lstStyle>
-          <a:p>
-            <a:pPr>
-              <a:lnSpc>
-                <a:spcPct val="100000"/>
-              </a:lnSpc>
-            </a:pPr>
-            <a:r>
-              <a:rPr lang="en-US" sz="2000" b="0" dirty="0" smtClean="0">
-                <a:solidFill>
-                  <a:schemeClr val="tx1">
-                    <a:lumMod val="95000"/>
-                    <a:lumOff val="5000"/>
-                  </a:schemeClr>
-                </a:solidFill>
-                <a:ea typeface="Roboto Condensed" pitchFamily="2" charset="0"/>
-              </a:rPr>
-              <a:t>Bước 1: Click Download tải file về máy tính</a:t>
-            </a:r>
-          </a:p>
-        </p:txBody>
-      </p:sp>
-      <p:pic>
-        <p:nvPicPr>
-          <p:cNvPr id="4" name="Picture 3"/>
-          <p:cNvPicPr>
-            <a:picLocks noChangeAspect="1"/>
-          </p:cNvPicPr>
-          <p:nvPr/>
-        </p:nvPicPr>
-        <p:blipFill>
-          <a:blip r:embed="rId2"/>
-          <a:stretch>
-            <a:fillRect/>
-          </a:stretch>
-        </p:blipFill>
-        <p:spPr>
-          <a:xfrm>
-            <a:off x="5743928" y="4822111"/>
-            <a:ext cx="2909512" cy="456394"/>
-          </a:xfrm>
-          <a:prstGeom prst="rect">
-            <a:avLst/>
-          </a:prstGeom>
-        </p:spPr>
-      </p:pic>
-      <p:sp>
-        <p:nvSpPr>
-          <p:cNvPr id="5" name="Title 1"/>
-          <p:cNvSpPr txBox="1">
-            <a:spLocks/>
-          </p:cNvSpPr>
-          <p:nvPr/>
-        </p:nvSpPr>
-        <p:spPr>
-          <a:xfrm>
-            <a:off x="709053" y="5412305"/>
-            <a:ext cx="8047836" cy="496573"/>
-          </a:xfrm>
-          <a:prstGeom prst="rect">
-            <a:avLst/>
-          </a:prstGeom>
-        </p:spPr>
-        <p:txBody>
-          <a:bodyPr/>
-          <a:lstStyle>
-            <a:lvl1pPr algn="l" defTabSz="914400" rtl="0" eaLnBrk="1" latinLnBrk="0" hangingPunct="1">
-              <a:lnSpc>
-                <a:spcPct val="90000"/>
-              </a:lnSpc>
-              <a:spcBef>
-                <a:spcPct val="0"/>
-              </a:spcBef>
-              <a:buNone/>
-              <a:defRPr sz="3200" b="1" kern="1200">
-                <a:solidFill>
-                  <a:srgbClr val="019DD0"/>
-                </a:solidFill>
-                <a:latin typeface="Arial" panose="020B0604020202020204" pitchFamily="34" charset="0"/>
-                <a:ea typeface="+mj-ea"/>
-                <a:cs typeface="Arial" panose="020B0604020202020204" pitchFamily="34" charset="0"/>
-              </a:defRPr>
-            </a:lvl1pPr>
-          </a:lstStyle>
-          <a:p>
-            <a:pPr>
-              <a:lnSpc>
-                <a:spcPct val="100000"/>
-              </a:lnSpc>
-            </a:pPr>
-            <a:r>
-              <a:rPr lang="en-US" sz="2000" b="0" dirty="0" smtClean="0">
-                <a:solidFill>
-                  <a:schemeClr val="tx1">
-                    <a:lumMod val="95000"/>
-                    <a:lumOff val="5000"/>
-                  </a:schemeClr>
-                </a:solidFill>
-                <a:ea typeface="Roboto Condensed" pitchFamily="2" charset="0"/>
-              </a:rPr>
-              <a:t>Bước 2: Gắn đầu USB vào máy tính, đầu micro USB vào micro:bit </a:t>
-            </a:r>
-          </a:p>
-        </p:txBody>
-      </p:sp>
-      <p:sp>
-        <p:nvSpPr>
-          <p:cNvPr id="8" name="TextBox 7"/>
-          <p:cNvSpPr txBox="1"/>
-          <p:nvPr/>
-        </p:nvSpPr>
-        <p:spPr>
-          <a:xfrm>
-            <a:off x="1265305" y="1364739"/>
-            <a:ext cx="5649845" cy="461665"/>
-          </a:xfrm>
-          <a:prstGeom prst="rect">
-            <a:avLst/>
-          </a:prstGeom>
-          <a:noFill/>
-        </p:spPr>
-        <p:txBody>
-          <a:bodyPr wrap="square" rtlCol="0">
-            <a:spAutoFit/>
-          </a:bodyPr>
-          <a:lstStyle/>
-          <a:p>
-            <a:r>
-              <a:rPr lang="en-US" sz="2400" b="1" dirty="0" smtClean="0">
-                <a:solidFill>
-                  <a:schemeClr val="tx1">
-                    <a:lumMod val="85000"/>
-                    <a:lumOff val="15000"/>
-                  </a:schemeClr>
-                </a:solidFill>
-                <a:latin typeface="UTM Helve" panose="02040603050506020204" pitchFamily="18" charset="0"/>
-                <a:ea typeface="Roboto" pitchFamily="2" charset="0"/>
-              </a:rPr>
-              <a:t>Đưa chương trình vào micro:bit</a:t>
-            </a:r>
-            <a:endParaRPr lang="en-US" sz="2400" b="1" dirty="0">
-              <a:solidFill>
-                <a:schemeClr val="tx1">
-                  <a:lumMod val="85000"/>
-                  <a:lumOff val="15000"/>
-                </a:schemeClr>
-              </a:solidFill>
-              <a:latin typeface="UTM Helve" panose="02040603050506020204" pitchFamily="18" charset="0"/>
-              <a:ea typeface="Roboto" pitchFamily="2" charset="0"/>
-            </a:endParaRPr>
-          </a:p>
-        </p:txBody>
-      </p:sp>
-      <p:pic>
-        <p:nvPicPr>
-          <p:cNvPr id="9" name="Picture 8"/>
-          <p:cNvPicPr>
-            <a:picLocks noChangeAspect="1"/>
-          </p:cNvPicPr>
-          <p:nvPr/>
-        </p:nvPicPr>
-        <p:blipFill>
-          <a:blip r:embed="rId3">
-            <a:extLst>
-              <a:ext uri="{28A0092B-C50C-407E-A947-70E740481C1C}">
-                <a14:useLocalDpi xmlns:a14="http://schemas.microsoft.com/office/drawing/2010/main" val="0"/>
-              </a:ext>
-            </a:extLst>
-          </a:blip>
-          <a:stretch>
-            <a:fillRect/>
-          </a:stretch>
-        </p:blipFill>
-        <p:spPr>
-          <a:xfrm>
-            <a:off x="709053" y="1437696"/>
-            <a:ext cx="466725" cy="409575"/>
-          </a:xfrm>
-          <a:prstGeom prst="rect">
-            <a:avLst/>
-          </a:prstGeom>
-        </p:spPr>
-      </p:pic>
-      <p:pic>
-        <p:nvPicPr>
-          <p:cNvPr id="11" name="Picture 10"/>
-          <p:cNvPicPr>
-            <a:picLocks noChangeAspect="1"/>
-          </p:cNvPicPr>
-          <p:nvPr/>
-        </p:nvPicPr>
-        <p:blipFill rotWithShape="1">
-          <a:blip r:embed="rId4"/>
-          <a:srcRect t="9567"/>
-          <a:stretch/>
-        </p:blipFill>
-        <p:spPr>
-          <a:xfrm>
-            <a:off x="1477989" y="1992477"/>
-            <a:ext cx="6441059" cy="2452204"/>
-          </a:xfrm>
-          <a:prstGeom prst="rect">
-            <a:avLst/>
-          </a:prstGeom>
-        </p:spPr>
-      </p:pic>
-      <p:sp>
-        <p:nvSpPr>
-          <p:cNvPr id="12" name="Title 1"/>
-          <p:cNvSpPr txBox="1">
-            <a:spLocks/>
-          </p:cNvSpPr>
-          <p:nvPr/>
-        </p:nvSpPr>
-        <p:spPr>
-          <a:xfrm>
-            <a:off x="709053" y="5983805"/>
-            <a:ext cx="8047836" cy="496573"/>
-          </a:xfrm>
-          <a:prstGeom prst="rect">
-            <a:avLst/>
-          </a:prstGeom>
-        </p:spPr>
-        <p:txBody>
-          <a:bodyPr/>
-          <a:lstStyle>
-            <a:lvl1pPr algn="l" defTabSz="914400" rtl="0" eaLnBrk="1" latinLnBrk="0" hangingPunct="1">
-              <a:lnSpc>
-                <a:spcPct val="90000"/>
-              </a:lnSpc>
-              <a:spcBef>
-                <a:spcPct val="0"/>
-              </a:spcBef>
-              <a:buNone/>
-              <a:defRPr sz="3200" b="1" kern="1200">
-                <a:solidFill>
-                  <a:srgbClr val="019DD0"/>
-                </a:solidFill>
-                <a:latin typeface="Arial" panose="020B0604020202020204" pitchFamily="34" charset="0"/>
-                <a:ea typeface="+mj-ea"/>
-                <a:cs typeface="Arial" panose="020B0604020202020204" pitchFamily="34" charset="0"/>
-              </a:defRPr>
-            </a:lvl1pPr>
-          </a:lstStyle>
-          <a:p>
-            <a:pPr>
-              <a:lnSpc>
-                <a:spcPct val="100000"/>
-              </a:lnSpc>
-            </a:pPr>
-            <a:r>
-              <a:rPr lang="en-US" sz="2000" b="0" dirty="0" smtClean="0">
-                <a:solidFill>
-                  <a:schemeClr val="tx1">
-                    <a:lumMod val="95000"/>
-                    <a:lumOff val="5000"/>
-                  </a:schemeClr>
-                </a:solidFill>
-                <a:ea typeface="Roboto Condensed" pitchFamily="2" charset="0"/>
-              </a:rPr>
-              <a:t>Bước 3: Copy file .hex vào micro:bit </a:t>
-            </a:r>
-          </a:p>
-        </p:txBody>
-      </p:sp>
-      <p:sp>
-        <p:nvSpPr>
-          <p:cNvPr id="13" name="Rectangle 12"/>
+          <p:cNvPr id="3" name="Rectangle 2"/>
           <p:cNvSpPr/>
           <p:nvPr/>
         </p:nvSpPr>
@@ -3890,7 +3593,7 @@
       </p:sp>
       <p:sp>
         <p:nvSpPr>
-          <p:cNvPr id="14" name="TextBox 13"/>
+          <p:cNvPr id="4" name="TextBox 3"/>
           <p:cNvSpPr txBox="1"/>
           <p:nvPr/>
         </p:nvSpPr>
@@ -3918,31 +3621,784 @@
                 <a:latin typeface="UTM Helve" panose="02040603050506020204" pitchFamily="18" charset="0"/>
                 <a:ea typeface="Roboto" pitchFamily="2" charset="0"/>
               </a:rPr>
-              <a:t>Head </a:t>
-            </a:r>
-            <a:r>
-              <a:rPr lang="en-US" sz="2400" b="1" dirty="0">
-                <a:solidFill>
-                  <a:srgbClr val="64C7E9"/>
+              <a:t>12.4 Hoạt động học viên</a:t>
+            </a:r>
+            <a:endParaRPr lang="en-US" sz="2400" b="1" dirty="0">
+              <a:solidFill>
+                <a:srgbClr val="64C7E9"/>
+              </a:solidFill>
+              <a:latin typeface="UTM Helve" panose="02040603050506020204" pitchFamily="18" charset="0"/>
+              <a:ea typeface="Roboto" pitchFamily="2" charset="0"/>
+            </a:endParaRPr>
+          </a:p>
+        </p:txBody>
+      </p:sp>
+      <p:sp>
+        <p:nvSpPr>
+          <p:cNvPr id="5" name="TextBox 4"/>
+          <p:cNvSpPr txBox="1"/>
+          <p:nvPr/>
+        </p:nvSpPr>
+        <p:spPr>
+          <a:xfrm>
+            <a:off x="1265306" y="1364739"/>
+            <a:ext cx="5877616" cy="461665"/>
+          </a:xfrm>
+          <a:prstGeom prst="rect">
+            <a:avLst/>
+          </a:prstGeom>
+          <a:noFill/>
+        </p:spPr>
+        <p:txBody>
+          <a:bodyPr wrap="square" rtlCol="0">
+            <a:spAutoFit/>
+          </a:bodyPr>
+          <a:lstStyle/>
+          <a:p>
+            <a:r>
+              <a:rPr lang="vi-VN" sz="2400" b="1" dirty="0">
+                <a:solidFill>
+                  <a:schemeClr val="tx1">
+                    <a:lumMod val="85000"/>
+                    <a:lumOff val="15000"/>
+                  </a:schemeClr>
                 </a:solidFill>
                 <a:latin typeface="UTM Helve" panose="02040603050506020204" pitchFamily="18" charset="0"/>
                 <a:ea typeface="Roboto" pitchFamily="2" charset="0"/>
               </a:rPr>
-              <a:t>Light và RGB LED trên reka:bit</a:t>
-            </a:r>
+              <a:t>Xe </a:t>
+            </a:r>
+            <a:r>
+              <a:rPr lang="en-US" sz="2400" b="1" dirty="0" smtClean="0">
+                <a:solidFill>
+                  <a:schemeClr val="tx1">
+                    <a:lumMod val="85000"/>
+                    <a:lumOff val="15000"/>
+                  </a:schemeClr>
+                </a:solidFill>
+                <a:latin typeface="UTM Helve" panose="02040603050506020204" pitchFamily="18" charset="0"/>
+                <a:ea typeface="Roboto" pitchFamily="2" charset="0"/>
+              </a:rPr>
+              <a:t>cấp cứu zoom:bit phiên bản mới</a:t>
+            </a:r>
+            <a:endParaRPr lang="en-US" sz="2400" b="1" dirty="0">
+              <a:solidFill>
+                <a:schemeClr val="tx1">
+                  <a:lumMod val="85000"/>
+                  <a:lumOff val="15000"/>
+                </a:schemeClr>
+              </a:solidFill>
+              <a:latin typeface="UTM Helve" panose="02040603050506020204" pitchFamily="18" charset="0"/>
+              <a:ea typeface="Roboto" pitchFamily="2" charset="0"/>
+            </a:endParaRPr>
+          </a:p>
+        </p:txBody>
+      </p:sp>
+      <p:pic>
+        <p:nvPicPr>
+          <p:cNvPr id="6" name="Picture 5"/>
+          <p:cNvPicPr>
+            <a:picLocks noChangeAspect="1"/>
+          </p:cNvPicPr>
+          <p:nvPr/>
+        </p:nvPicPr>
+        <p:blipFill>
+          <a:blip r:embed="rId2">
+            <a:extLst>
+              <a:ext uri="{28A0092B-C50C-407E-A947-70E740481C1C}">
+                <a14:useLocalDpi xmlns:a14="http://schemas.microsoft.com/office/drawing/2010/main" val="0"/>
+              </a:ext>
+            </a:extLst>
+          </a:blip>
+          <a:stretch>
+            <a:fillRect/>
+          </a:stretch>
+        </p:blipFill>
+        <p:spPr>
+          <a:xfrm>
+            <a:off x="709053" y="1437696"/>
+            <a:ext cx="466725" cy="409575"/>
+          </a:xfrm>
+          <a:prstGeom prst="rect">
+            <a:avLst/>
+          </a:prstGeom>
+        </p:spPr>
+      </p:pic>
+      <p:sp>
+        <p:nvSpPr>
+          <p:cNvPr id="21" name="Title 1"/>
+          <p:cNvSpPr txBox="1">
+            <a:spLocks/>
+          </p:cNvSpPr>
+          <p:nvPr/>
+        </p:nvSpPr>
+        <p:spPr>
+          <a:xfrm>
+            <a:off x="709053" y="1978140"/>
+            <a:ext cx="7802990" cy="429492"/>
+          </a:xfrm>
+          <a:prstGeom prst="rect">
+            <a:avLst/>
+          </a:prstGeom>
+        </p:spPr>
+        <p:txBody>
+          <a:bodyPr/>
+          <a:lstStyle>
+            <a:lvl1pPr algn="l" defTabSz="914400" rtl="0" eaLnBrk="1" latinLnBrk="0" hangingPunct="1">
+              <a:lnSpc>
+                <a:spcPct val="90000"/>
+              </a:lnSpc>
+              <a:spcBef>
+                <a:spcPct val="0"/>
+              </a:spcBef>
+              <a:buNone/>
+              <a:defRPr sz="3200" b="1" kern="1200">
+                <a:solidFill>
+                  <a:srgbClr val="019DD0"/>
+                </a:solidFill>
+                <a:latin typeface="Arial" panose="020B0604020202020204" pitchFamily="34" charset="0"/>
+                <a:ea typeface="+mj-ea"/>
+                <a:cs typeface="Arial" panose="020B0604020202020204" pitchFamily="34" charset="0"/>
+              </a:defRPr>
+            </a:lvl1pPr>
+          </a:lstStyle>
+          <a:p>
+            <a:pPr>
+              <a:lnSpc>
+                <a:spcPct val="100000"/>
+              </a:lnSpc>
+            </a:pPr>
+            <a:r>
+              <a:rPr lang="en-US" sz="2000" b="0" dirty="0" smtClean="0">
+                <a:solidFill>
+                  <a:schemeClr val="tx1">
+                    <a:lumMod val="95000"/>
+                    <a:lumOff val="5000"/>
+                  </a:schemeClr>
+                </a:solidFill>
+                <a:ea typeface="Roboto Condensed" pitchFamily="2" charset="0"/>
+              </a:rPr>
+              <a:t>Nâng cấp bài tập xe cấp cứu ở bài học trước, thêm phần di chuyển</a:t>
+            </a:r>
+            <a:endParaRPr lang="en-US" sz="2000" dirty="0" smtClean="0">
+              <a:solidFill>
+                <a:schemeClr val="tx1">
+                  <a:lumMod val="95000"/>
+                  <a:lumOff val="5000"/>
+                </a:schemeClr>
+              </a:solidFill>
+              <a:ea typeface="Roboto Condensed" pitchFamily="2" charset="0"/>
+            </a:endParaRPr>
+          </a:p>
+        </p:txBody>
+      </p:sp>
+      <p:sp>
+        <p:nvSpPr>
+          <p:cNvPr id="11" name="Rectangle 10"/>
+          <p:cNvSpPr/>
+          <p:nvPr/>
+        </p:nvSpPr>
+        <p:spPr>
+          <a:xfrm>
+            <a:off x="4294682" y="2811400"/>
+            <a:ext cx="171494" cy="171494"/>
+          </a:xfrm>
+          <a:prstGeom prst="rect">
+            <a:avLst/>
+          </a:prstGeom>
+          <a:solidFill>
+            <a:srgbClr val="64C7E9"/>
+          </a:solidFill>
+          <a:ln>
+            <a:noFill/>
+          </a:ln>
+        </p:spPr>
+        <p:style>
+          <a:lnRef idx="2">
+            <a:schemeClr val="accent1">
+              <a:shade val="50000"/>
+            </a:schemeClr>
+          </a:lnRef>
+          <a:fillRef idx="1">
+            <a:schemeClr val="accent1"/>
+          </a:fillRef>
+          <a:effectRef idx="0">
+            <a:schemeClr val="accent1"/>
+          </a:effectRef>
+          <a:fontRef idx="minor">
+            <a:schemeClr val="lt1"/>
+          </a:fontRef>
+        </p:style>
+        <p:txBody>
+          <a:bodyPr rtlCol="0" anchor="ctr"/>
+          <a:lstStyle/>
+          <a:p>
+            <a:pPr algn="ctr"/>
+            <a:endParaRPr lang="en-US"/>
+          </a:p>
+        </p:txBody>
+      </p:sp>
+      <p:pic>
+        <p:nvPicPr>
+          <p:cNvPr id="2050" name="Picture 2" descr="Vector an ambulance travels to call a sick patient. flat  illustration."/>
+          <p:cNvPicPr>
+            <a:picLocks noChangeAspect="1" noChangeArrowheads="1"/>
+          </p:cNvPicPr>
+          <p:nvPr/>
+        </p:nvPicPr>
+        <p:blipFill>
+          <a:blip r:embed="rId3">
+            <a:extLst>
+              <a:ext uri="{28A0092B-C50C-407E-A947-70E740481C1C}">
+                <a14:useLocalDpi xmlns:a14="http://schemas.microsoft.com/office/drawing/2010/main" val="0"/>
+              </a:ext>
+            </a:extLst>
+          </a:blip>
+          <a:srcRect/>
+          <a:stretch>
+            <a:fillRect/>
+          </a:stretch>
+        </p:blipFill>
+        <p:spPr bwMode="auto">
+          <a:xfrm>
+            <a:off x="248815" y="2747434"/>
+            <a:ext cx="4045867" cy="3851977"/>
+          </a:xfrm>
+          <a:prstGeom prst="rect">
+            <a:avLst/>
+          </a:prstGeom>
+          <a:noFill/>
+          <a:extLst>
+            <a:ext uri="{909E8E84-426E-40DD-AFC4-6F175D3DCCD1}">
+              <a14:hiddenFill xmlns:a14="http://schemas.microsoft.com/office/drawing/2010/main">
+                <a:solidFill>
+                  <a:srgbClr val="FFFFFF"/>
+                </a:solidFill>
+              </a14:hiddenFill>
+            </a:ext>
+          </a:extLst>
+        </p:spPr>
+      </p:pic>
+      <p:sp>
+        <p:nvSpPr>
+          <p:cNvPr id="12" name="Title 1"/>
+          <p:cNvSpPr txBox="1">
+            <a:spLocks/>
+          </p:cNvSpPr>
+          <p:nvPr/>
+        </p:nvSpPr>
+        <p:spPr>
+          <a:xfrm>
+            <a:off x="4532436" y="4142774"/>
+            <a:ext cx="3979607" cy="1864928"/>
+          </a:xfrm>
+          <a:prstGeom prst="rect">
+            <a:avLst/>
+          </a:prstGeom>
+        </p:spPr>
+        <p:txBody>
+          <a:bodyPr/>
+          <a:lstStyle>
+            <a:lvl1pPr algn="l" defTabSz="914400" rtl="0" eaLnBrk="1" latinLnBrk="0" hangingPunct="1">
+              <a:lnSpc>
+                <a:spcPct val="90000"/>
+              </a:lnSpc>
+              <a:spcBef>
+                <a:spcPct val="0"/>
+              </a:spcBef>
+              <a:buNone/>
+              <a:defRPr sz="3200" b="1" kern="1200">
+                <a:solidFill>
+                  <a:srgbClr val="019DD0"/>
+                </a:solidFill>
+                <a:latin typeface="Arial" panose="020B0604020202020204" pitchFamily="34" charset="0"/>
+                <a:ea typeface="+mj-ea"/>
+                <a:cs typeface="Arial" panose="020B0604020202020204" pitchFamily="34" charset="0"/>
+              </a:defRPr>
+            </a:lvl1pPr>
+          </a:lstStyle>
+          <a:p>
+            <a:pPr>
+              <a:lnSpc>
+                <a:spcPct val="100000"/>
+              </a:lnSpc>
+            </a:pPr>
+            <a:r>
+              <a:rPr lang="vi-VN" sz="2000" b="0" dirty="0">
+                <a:solidFill>
+                  <a:schemeClr val="tx1">
+                    <a:lumMod val="95000"/>
+                    <a:lumOff val="5000"/>
+                  </a:schemeClr>
+                </a:solidFill>
+                <a:ea typeface="Roboto Condensed" pitchFamily="2" charset="0"/>
+              </a:rPr>
+              <a:t>Để tăng sự thu hút của mọi người và nhường đường để xe chạy, </a:t>
+            </a:r>
+            <a:r>
+              <a:rPr lang="en-US" sz="2000" b="0" dirty="0" smtClean="0">
+                <a:solidFill>
+                  <a:schemeClr val="tx1">
+                    <a:lumMod val="95000"/>
+                    <a:lumOff val="5000"/>
+                  </a:schemeClr>
+                </a:solidFill>
+                <a:ea typeface="Roboto Condensed" pitchFamily="2" charset="0"/>
+              </a:rPr>
+              <a:t>bạn </a:t>
+            </a:r>
+            <a:r>
+              <a:rPr lang="vi-VN" sz="2000" b="0" dirty="0" smtClean="0">
+                <a:solidFill>
+                  <a:schemeClr val="tx1">
+                    <a:lumMod val="95000"/>
+                    <a:lumOff val="5000"/>
+                  </a:schemeClr>
+                </a:solidFill>
+                <a:ea typeface="Roboto Condensed" pitchFamily="2" charset="0"/>
+              </a:rPr>
+              <a:t>có </a:t>
+            </a:r>
+            <a:r>
+              <a:rPr lang="vi-VN" sz="2000" b="0" dirty="0">
+                <a:solidFill>
+                  <a:schemeClr val="tx1">
+                    <a:lumMod val="95000"/>
+                    <a:lumOff val="5000"/>
+                  </a:schemeClr>
+                </a:solidFill>
+                <a:ea typeface="Roboto Condensed" pitchFamily="2" charset="0"/>
+              </a:rPr>
+              <a:t>thể vừa cho </a:t>
+            </a:r>
+            <a:r>
+              <a:rPr lang="vi-VN" sz="2000" b="0" dirty="0" smtClean="0">
+                <a:solidFill>
+                  <a:schemeClr val="tx1">
+                    <a:lumMod val="95000"/>
+                    <a:lumOff val="5000"/>
+                  </a:schemeClr>
+                </a:solidFill>
+                <a:ea typeface="Roboto Condensed" pitchFamily="2" charset="0"/>
+              </a:rPr>
+              <a:t>đèn</a:t>
+            </a:r>
+            <a:r>
+              <a:rPr lang="en-US" sz="2000" b="0" dirty="0" smtClean="0">
+                <a:solidFill>
+                  <a:schemeClr val="tx1">
+                    <a:lumMod val="95000"/>
+                    <a:lumOff val="5000"/>
+                  </a:schemeClr>
+                </a:solidFill>
+                <a:ea typeface="Roboto Condensed" pitchFamily="2" charset="0"/>
+              </a:rPr>
+              <a:t> RGB LED</a:t>
+            </a:r>
+            <a:r>
+              <a:rPr lang="vi-VN" sz="2000" b="0" dirty="0" smtClean="0">
+                <a:solidFill>
+                  <a:schemeClr val="tx1">
+                    <a:lumMod val="95000"/>
+                    <a:lumOff val="5000"/>
+                  </a:schemeClr>
+                </a:solidFill>
+                <a:ea typeface="Roboto Condensed" pitchFamily="2" charset="0"/>
+              </a:rPr>
+              <a:t> </a:t>
+            </a:r>
+            <a:r>
+              <a:rPr lang="vi-VN" sz="2000" b="0" dirty="0">
+                <a:solidFill>
+                  <a:schemeClr val="tx1">
+                    <a:lumMod val="95000"/>
+                    <a:lumOff val="5000"/>
+                  </a:schemeClr>
+                </a:solidFill>
+                <a:ea typeface="Roboto Condensed" pitchFamily="2" charset="0"/>
+              </a:rPr>
+              <a:t>nhấp </a:t>
+            </a:r>
+            <a:r>
+              <a:rPr lang="vi-VN" sz="2000" b="0" dirty="0" smtClean="0">
+                <a:solidFill>
+                  <a:schemeClr val="tx1">
+                    <a:lumMod val="95000"/>
+                    <a:lumOff val="5000"/>
+                  </a:schemeClr>
+                </a:solidFill>
+                <a:ea typeface="Roboto Condensed" pitchFamily="2" charset="0"/>
+              </a:rPr>
+              <a:t>nháy</a:t>
+            </a:r>
+            <a:r>
+              <a:rPr lang="en-US" sz="2000" b="0" dirty="0" smtClean="0">
+                <a:solidFill>
+                  <a:schemeClr val="tx1">
+                    <a:lumMod val="95000"/>
+                    <a:lumOff val="5000"/>
+                  </a:schemeClr>
+                </a:solidFill>
+                <a:ea typeface="Roboto Condensed" pitchFamily="2" charset="0"/>
+              </a:rPr>
+              <a:t> liên tục</a:t>
+            </a:r>
+            <a:r>
+              <a:rPr lang="vi-VN" sz="2000" b="0" dirty="0" smtClean="0">
+                <a:solidFill>
+                  <a:schemeClr val="tx1">
+                    <a:lumMod val="95000"/>
+                    <a:lumOff val="5000"/>
+                  </a:schemeClr>
+                </a:solidFill>
+                <a:ea typeface="Roboto Condensed" pitchFamily="2" charset="0"/>
+              </a:rPr>
+              <a:t> </a:t>
+            </a:r>
+            <a:r>
+              <a:rPr lang="vi-VN" sz="2000" b="0" dirty="0">
+                <a:solidFill>
+                  <a:schemeClr val="tx1">
+                    <a:lumMod val="95000"/>
+                    <a:lumOff val="5000"/>
+                  </a:schemeClr>
+                </a:solidFill>
+                <a:ea typeface="Roboto Condensed" pitchFamily="2" charset="0"/>
+              </a:rPr>
+              <a:t>vừa phát ra tiếng còi báo </a:t>
+            </a:r>
+            <a:r>
+              <a:rPr lang="vi-VN" sz="2000" b="0" dirty="0" smtClean="0">
+                <a:solidFill>
+                  <a:schemeClr val="tx1">
+                    <a:lumMod val="95000"/>
+                    <a:lumOff val="5000"/>
+                  </a:schemeClr>
+                </a:solidFill>
+                <a:ea typeface="Roboto Condensed" pitchFamily="2" charset="0"/>
+              </a:rPr>
+              <a:t>động</a:t>
+            </a:r>
+            <a:r>
+              <a:rPr lang="en-US" sz="2000" b="0" dirty="0" smtClean="0">
+                <a:solidFill>
+                  <a:schemeClr val="tx1">
+                    <a:lumMod val="95000"/>
+                    <a:lumOff val="5000"/>
+                  </a:schemeClr>
+                </a:solidFill>
+                <a:ea typeface="Roboto Condensed" pitchFamily="2" charset="0"/>
+              </a:rPr>
+              <a:t> tò te to tè bằng block play melody</a:t>
+            </a:r>
+            <a:endParaRPr lang="en-US" sz="2000" dirty="0" smtClean="0">
+              <a:solidFill>
+                <a:schemeClr val="tx1">
+                  <a:lumMod val="95000"/>
+                  <a:lumOff val="5000"/>
+                </a:schemeClr>
+              </a:solidFill>
+              <a:ea typeface="Roboto Condensed" pitchFamily="2" charset="0"/>
+            </a:endParaRPr>
+          </a:p>
+        </p:txBody>
+      </p:sp>
+      <p:sp>
+        <p:nvSpPr>
+          <p:cNvPr id="13" name="Rectangle 12"/>
+          <p:cNvSpPr/>
+          <p:nvPr/>
+        </p:nvSpPr>
+        <p:spPr>
+          <a:xfrm>
+            <a:off x="4294682" y="4286231"/>
+            <a:ext cx="171494" cy="171494"/>
+          </a:xfrm>
+          <a:prstGeom prst="rect">
+            <a:avLst/>
+          </a:prstGeom>
+          <a:solidFill>
+            <a:srgbClr val="64C7E9"/>
+          </a:solidFill>
+          <a:ln>
+            <a:noFill/>
+          </a:ln>
+        </p:spPr>
+        <p:style>
+          <a:lnRef idx="2">
+            <a:schemeClr val="accent1">
+              <a:shade val="50000"/>
+            </a:schemeClr>
+          </a:lnRef>
+          <a:fillRef idx="1">
+            <a:schemeClr val="accent1"/>
+          </a:fillRef>
+          <a:effectRef idx="0">
+            <a:schemeClr val="accent1"/>
+          </a:effectRef>
+          <a:fontRef idx="minor">
+            <a:schemeClr val="lt1"/>
+          </a:fontRef>
+        </p:style>
+        <p:txBody>
+          <a:bodyPr rtlCol="0" anchor="ctr"/>
+          <a:lstStyle/>
+          <a:p>
+            <a:pPr algn="ctr"/>
+            <a:endParaRPr lang="en-US"/>
+          </a:p>
+        </p:txBody>
+      </p:sp>
+      <p:sp>
+        <p:nvSpPr>
+          <p:cNvPr id="15" name="Title 1"/>
+          <p:cNvSpPr txBox="1">
+            <a:spLocks/>
+          </p:cNvSpPr>
+          <p:nvPr/>
+        </p:nvSpPr>
+        <p:spPr>
+          <a:xfrm>
+            <a:off x="4532436" y="2685384"/>
+            <a:ext cx="3979607" cy="816644"/>
+          </a:xfrm>
+          <a:prstGeom prst="rect">
+            <a:avLst/>
+          </a:prstGeom>
+        </p:spPr>
+        <p:txBody>
+          <a:bodyPr/>
+          <a:lstStyle>
+            <a:lvl1pPr algn="l" defTabSz="914400" rtl="0" eaLnBrk="1" latinLnBrk="0" hangingPunct="1">
+              <a:lnSpc>
+                <a:spcPct val="90000"/>
+              </a:lnSpc>
+              <a:spcBef>
+                <a:spcPct val="0"/>
+              </a:spcBef>
+              <a:buNone/>
+              <a:defRPr sz="3200" b="1" kern="1200">
+                <a:solidFill>
+                  <a:srgbClr val="019DD0"/>
+                </a:solidFill>
+                <a:latin typeface="Arial" panose="020B0604020202020204" pitchFamily="34" charset="0"/>
+                <a:ea typeface="+mj-ea"/>
+                <a:cs typeface="Arial" panose="020B0604020202020204" pitchFamily="34" charset="0"/>
+              </a:defRPr>
+            </a:lvl1pPr>
+          </a:lstStyle>
+          <a:p>
+            <a:pPr>
+              <a:lnSpc>
+                <a:spcPct val="100000"/>
+              </a:lnSpc>
+            </a:pPr>
+            <a:r>
+              <a:rPr lang="vi-VN" sz="2000" b="0" dirty="0">
+                <a:solidFill>
+                  <a:schemeClr val="tx1">
+                    <a:lumMod val="95000"/>
+                    <a:lumOff val="5000"/>
+                  </a:schemeClr>
+                </a:solidFill>
+                <a:ea typeface="Roboto Condensed" pitchFamily="2" charset="0"/>
+              </a:rPr>
+              <a:t>Khởi động lên thì cho Servo xoay đầu phía trước, tức servo 90 độ. Màn hình LED hiển thị mặt cười. Bật âm thanh power up</a:t>
+            </a:r>
+            <a:endParaRPr lang="en-US" sz="2000" dirty="0" smtClean="0">
+              <a:solidFill>
+                <a:schemeClr val="tx1">
+                  <a:lumMod val="95000"/>
+                  <a:lumOff val="5000"/>
+                </a:schemeClr>
+              </a:solidFill>
+              <a:ea typeface="Roboto Condensed" pitchFamily="2" charset="0"/>
+            </a:endParaRPr>
+          </a:p>
+        </p:txBody>
+      </p:sp>
+      <p:sp>
+        <p:nvSpPr>
+          <p:cNvPr id="7" name="Rectangle 1"/>
+          <p:cNvSpPr>
+            <a:spLocks noChangeArrowheads="1"/>
+          </p:cNvSpPr>
+          <p:nvPr/>
+        </p:nvSpPr>
+        <p:spPr bwMode="auto">
+          <a:xfrm>
+            <a:off x="0" y="0"/>
+            <a:ext cx="9144000" cy="0"/>
+          </a:xfrm>
+          <a:prstGeom prst="rect">
+            <a:avLst/>
+          </a:prstGeom>
+          <a:solidFill>
+            <a:srgbClr val="0D1117"/>
+          </a:solidFill>
+          <a:ln>
+            <a:noFill/>
+          </a:ln>
+          <a:effectLst/>
+          <a:extLst>
+            <a:ext uri="{91240B29-F687-4F45-9708-019B960494DF}">
+              <a14:hiddenLine xmlns:a14="http://schemas.microsoft.com/office/drawing/2010/main" w="9525">
+                <a:solidFill>
+                  <a:schemeClr val="tx1"/>
+                </a:solidFill>
+                <a:miter lim="800000"/>
+                <a:headEnd/>
+                <a:tailEnd/>
+              </a14:hiddenLine>
+            </a:ext>
+            <a:ext uri="{AF507438-7753-43E0-B8FC-AC1667EBCBE1}">
+              <a14:hiddenEffects xmlns:a14="http://schemas.microsoft.com/office/drawing/2010/main">
+                <a:effectLst>
+                  <a:outerShdw dist="35921" dir="2700000" algn="ctr" rotWithShape="0">
+                    <a:schemeClr val="bg2"/>
+                  </a:outerShdw>
+                </a:effectLst>
+              </a14:hiddenEffects>
+            </a:ext>
+          </a:extLst>
+        </p:spPr>
+        <p:txBody>
+          <a:bodyPr vert="horz" wrap="none" lIns="0" tIns="0" rIns="0" bIns="0" numCol="1" anchor="ctr" anchorCtr="0" compatLnSpc="1">
+            <a:prstTxWarp prst="textNoShape">
+              <a:avLst/>
+            </a:prstTxWarp>
+            <a:spAutoFit/>
+          </a:bodyPr>
+          <a:lstStyle/>
+          <a:p>
+            <a:pPr marL="0" marR="0" lvl="0" indent="0" algn="l" defTabSz="914400" rtl="0" eaLnBrk="0" fontAlgn="base" latinLnBrk="0" hangingPunct="0">
+              <a:lnSpc>
+                <a:spcPct val="100000"/>
+              </a:lnSpc>
+              <a:spcBef>
+                <a:spcPct val="0"/>
+              </a:spcBef>
+              <a:spcAft>
+                <a:spcPct val="0"/>
+              </a:spcAft>
+              <a:buClrTx/>
+              <a:buSzTx/>
+              <a:buFontTx/>
+              <a:buNone/>
+              <a:tabLst/>
+            </a:pPr>
+            <a:endParaRPr kumimoji="0" lang="en-US" altLang="en-US" sz="1800" b="0" i="0" u="none" strike="noStrike" cap="none" normalizeH="0" baseline="0" smtClean="0">
+              <a:ln>
+                <a:noFill/>
+              </a:ln>
+              <a:solidFill>
+                <a:schemeClr val="tx1"/>
+              </a:solidFill>
+              <a:effectLst/>
+              <a:latin typeface="Arial" panose="020B0604020202020204" pitchFamily="34" charset="0"/>
+            </a:endParaRPr>
+          </a:p>
+          <a:p>
+            <a:pPr marL="0" marR="0" lvl="0" indent="0" algn="l" defTabSz="914400" rtl="0" eaLnBrk="0" fontAlgn="base" latinLnBrk="0" hangingPunct="0">
+              <a:lnSpc>
+                <a:spcPct val="100000"/>
+              </a:lnSpc>
+              <a:spcBef>
+                <a:spcPct val="0"/>
+              </a:spcBef>
+              <a:spcAft>
+                <a:spcPct val="0"/>
+              </a:spcAft>
+              <a:buClrTx/>
+              <a:buSzTx/>
+              <a:buFontTx/>
+              <a:buChar char="•"/>
+              <a:tabLst/>
+            </a:pPr>
+            <a:r>
+              <a:rPr kumimoji="0" lang="en-US" altLang="en-US" sz="1200" b="0" i="0" u="none" strike="noStrike" cap="none" normalizeH="0" baseline="0" smtClean="0">
+                <a:ln>
+                  <a:noFill/>
+                </a:ln>
+                <a:solidFill>
+                  <a:srgbClr val="E6EDF3"/>
+                </a:solidFill>
+                <a:effectLst/>
+                <a:latin typeface="-apple-system"/>
+              </a:rPr>
+              <a:t>Khởi động lên thì cho Servo xoay đầu phía trước, tức servo 90 độ. Màn hình LED hiển thị mặt cười. Bật âm thanh </a:t>
+            </a:r>
+            <a:r>
+              <a:rPr kumimoji="0" lang="en-US" altLang="en-US" sz="900" b="0" i="0" u="none" strike="noStrike" cap="none" normalizeH="0" baseline="0" smtClean="0">
+                <a:ln>
+                  <a:noFill/>
+                </a:ln>
+                <a:solidFill>
+                  <a:srgbClr val="E6EDF3"/>
+                </a:solidFill>
+                <a:effectLst/>
+                <a:latin typeface="ui-monospace"/>
+              </a:rPr>
+              <a:t>power up</a:t>
+            </a:r>
+            <a:endParaRPr kumimoji="0" lang="en-US" altLang="en-US" sz="1200" b="0" i="0" u="none" strike="noStrike" cap="none" normalizeH="0" baseline="0" smtClean="0">
+              <a:ln>
+                <a:noFill/>
+              </a:ln>
+              <a:solidFill>
+                <a:srgbClr val="E6EDF3"/>
+              </a:solidFill>
+              <a:effectLst/>
+              <a:latin typeface="-apple-system"/>
+            </a:endParaRPr>
+          </a:p>
+          <a:p>
+            <a:pPr marL="0" marR="0" lvl="0" indent="0" algn="l" defTabSz="914400" rtl="0" eaLnBrk="0" fontAlgn="base" latinLnBrk="0" hangingPunct="0">
+              <a:lnSpc>
+                <a:spcPct val="100000"/>
+              </a:lnSpc>
+              <a:spcBef>
+                <a:spcPct val="0"/>
+              </a:spcBef>
+              <a:spcAft>
+                <a:spcPct val="0"/>
+              </a:spcAft>
+              <a:buClrTx/>
+              <a:buSzTx/>
+              <a:buFontTx/>
+              <a:buNone/>
+              <a:tabLst/>
+            </a:pPr>
+            <a:endParaRPr kumimoji="0" lang="en-US" altLang="en-US" sz="1800" b="0" i="0" u="none" strike="noStrike" cap="none" normalizeH="0" baseline="0" smtClean="0">
+              <a:ln>
+                <a:noFill/>
+              </a:ln>
+              <a:solidFill>
+                <a:schemeClr val="tx1"/>
+              </a:solidFill>
+              <a:effectLst/>
+              <a:latin typeface="Arial" panose="020B0604020202020204" pitchFamily="34" charset="0"/>
+            </a:endParaRPr>
           </a:p>
         </p:txBody>
       </p:sp>
     </p:spTree>
     <p:extLst>
       <p:ext uri="{BB962C8B-B14F-4D97-AF65-F5344CB8AC3E}">
-        <p14:creationId xmlns:p14="http://schemas.microsoft.com/office/powerpoint/2010/main" val="3773185111"/>
+        <p14:creationId xmlns:p14="http://schemas.microsoft.com/office/powerpoint/2010/main" val="785694606"/>
       </p:ext>
     </p:extLst>
   </p:cSld>
   <p:clrMapOvr>
     <a:masterClrMapping/>
   </p:clrMapOvr>
+  <p:timing>
+    <p:tnLst>
+      <p:par>
+        <p:cTn id="1" dur="indefinite" restart="never" nodeType="tmRoot"/>
+      </p:par>
+    </p:tnLst>
+  </p:timing>
 </p:sld>
 </file>
 
@@ -3989,267 +4445,7 @@
       </p:sp>
       <p:sp>
         <p:nvSpPr>
-          <p:cNvPr id="5" name="TextBox 4"/>
-          <p:cNvSpPr txBox="1"/>
-          <p:nvPr/>
-        </p:nvSpPr>
-        <p:spPr>
-          <a:xfrm>
-            <a:off x="1265305" y="1364739"/>
-            <a:ext cx="5649845" cy="461665"/>
-          </a:xfrm>
-          <a:prstGeom prst="rect">
-            <a:avLst/>
-          </a:prstGeom>
-          <a:noFill/>
-        </p:spPr>
-        <p:txBody>
-          <a:bodyPr wrap="square" rtlCol="0">
-            <a:spAutoFit/>
-          </a:bodyPr>
-          <a:lstStyle/>
-          <a:p>
-            <a:r>
-              <a:rPr lang="en-US" sz="2400" b="1" dirty="0" smtClean="0">
-                <a:solidFill>
-                  <a:schemeClr val="tx1">
-                    <a:lumMod val="85000"/>
-                    <a:lumOff val="15000"/>
-                  </a:schemeClr>
-                </a:solidFill>
-                <a:latin typeface="UTM Helve" panose="02040603050506020204" pitchFamily="18" charset="0"/>
-                <a:ea typeface="Roboto" pitchFamily="2" charset="0"/>
-              </a:rPr>
-              <a:t>Giữ an toàn cho micro:bit</a:t>
-            </a:r>
-            <a:endParaRPr lang="en-US" sz="2400" b="1" dirty="0">
-              <a:solidFill>
-                <a:schemeClr val="tx1">
-                  <a:lumMod val="85000"/>
-                  <a:lumOff val="15000"/>
-                </a:schemeClr>
-              </a:solidFill>
-              <a:latin typeface="UTM Helve" panose="02040603050506020204" pitchFamily="18" charset="0"/>
-              <a:ea typeface="Roboto" pitchFamily="2" charset="0"/>
-            </a:endParaRPr>
-          </a:p>
-        </p:txBody>
-      </p:sp>
-      <p:pic>
-        <p:nvPicPr>
-          <p:cNvPr id="6" name="Picture 5"/>
-          <p:cNvPicPr>
-            <a:picLocks noChangeAspect="1"/>
-          </p:cNvPicPr>
-          <p:nvPr/>
-        </p:nvPicPr>
-        <p:blipFill>
-          <a:blip r:embed="rId2">
-            <a:extLst>
-              <a:ext uri="{28A0092B-C50C-407E-A947-70E740481C1C}">
-                <a14:useLocalDpi xmlns:a14="http://schemas.microsoft.com/office/drawing/2010/main" val="0"/>
-              </a:ext>
-            </a:extLst>
-          </a:blip>
-          <a:stretch>
-            <a:fillRect/>
-          </a:stretch>
-        </p:blipFill>
-        <p:spPr>
-          <a:xfrm>
-            <a:off x="709053" y="1437696"/>
-            <a:ext cx="466725" cy="409575"/>
-          </a:xfrm>
-          <a:prstGeom prst="rect">
-            <a:avLst/>
-          </a:prstGeom>
-        </p:spPr>
-      </p:pic>
-      <p:pic>
-        <p:nvPicPr>
-          <p:cNvPr id="7" name="Google Shape;149;p5"/>
-          <p:cNvPicPr preferRelativeResize="0"/>
-          <p:nvPr/>
-        </p:nvPicPr>
-        <p:blipFill rotWithShape="1">
-          <a:blip r:embed="rId3">
-            <a:alphaModFix/>
-          </a:blip>
-          <a:srcRect/>
-          <a:stretch/>
-        </p:blipFill>
-        <p:spPr>
-          <a:xfrm>
-            <a:off x="804690" y="2535250"/>
-            <a:ext cx="3206517" cy="3182856"/>
-          </a:xfrm>
-          <a:prstGeom prst="rect">
-            <a:avLst/>
-          </a:prstGeom>
-          <a:noFill/>
-          <a:ln>
-            <a:noFill/>
-          </a:ln>
-        </p:spPr>
-      </p:pic>
-      <p:sp>
-        <p:nvSpPr>
-          <p:cNvPr id="8" name="Title 1"/>
-          <p:cNvSpPr txBox="1">
-            <a:spLocks/>
-          </p:cNvSpPr>
-          <p:nvPr/>
-        </p:nvSpPr>
-        <p:spPr>
-          <a:xfrm>
-            <a:off x="4261791" y="2490360"/>
-            <a:ext cx="4253559" cy="3227746"/>
-          </a:xfrm>
-          <a:prstGeom prst="rect">
-            <a:avLst/>
-          </a:prstGeom>
-        </p:spPr>
-        <p:txBody>
-          <a:bodyPr/>
-          <a:lstStyle>
-            <a:lvl1pPr algn="l" defTabSz="914400" rtl="0" eaLnBrk="1" latinLnBrk="0" hangingPunct="1">
-              <a:lnSpc>
-                <a:spcPct val="90000"/>
-              </a:lnSpc>
-              <a:spcBef>
-                <a:spcPct val="0"/>
-              </a:spcBef>
-              <a:buNone/>
-              <a:defRPr sz="3200" b="1" kern="1200">
-                <a:solidFill>
-                  <a:srgbClr val="019DD0"/>
-                </a:solidFill>
-                <a:latin typeface="Arial" panose="020B0604020202020204" pitchFamily="34" charset="0"/>
-                <a:ea typeface="+mj-ea"/>
-                <a:cs typeface="Arial" panose="020B0604020202020204" pitchFamily="34" charset="0"/>
-              </a:defRPr>
-            </a:lvl1pPr>
-          </a:lstStyle>
-          <a:p>
-            <a:pPr marL="342900" indent="-342900">
-              <a:lnSpc>
-                <a:spcPct val="100000"/>
-              </a:lnSpc>
-              <a:buFont typeface="Arial" panose="020B0604020202020204" pitchFamily="34" charset="0"/>
-              <a:buChar char="•"/>
-            </a:pPr>
-            <a:r>
-              <a:rPr lang="en-US" sz="2400" b="0" dirty="0">
-                <a:solidFill>
-                  <a:schemeClr val="tx1">
-                    <a:lumMod val="95000"/>
-                    <a:lumOff val="5000"/>
-                  </a:schemeClr>
-                </a:solidFill>
-                <a:ea typeface="Roboto Condensed" pitchFamily="2" charset="0"/>
-              </a:rPr>
-              <a:t>Cầm micro:bit cẩn thận ở các </a:t>
-            </a:r>
-            <a:r>
-              <a:rPr lang="en-US" sz="2400" b="0" dirty="0" smtClean="0">
-                <a:solidFill>
-                  <a:schemeClr val="tx1">
-                    <a:lumMod val="95000"/>
-                    <a:lumOff val="5000"/>
-                  </a:schemeClr>
-                </a:solidFill>
-                <a:ea typeface="Roboto Condensed" pitchFamily="2" charset="0"/>
-              </a:rPr>
-              <a:t>cạnh</a:t>
-            </a:r>
-            <a:br>
-              <a:rPr lang="en-US" sz="2400" b="0" dirty="0" smtClean="0">
-                <a:solidFill>
-                  <a:schemeClr val="tx1">
-                    <a:lumMod val="95000"/>
-                    <a:lumOff val="5000"/>
-                  </a:schemeClr>
-                </a:solidFill>
-                <a:ea typeface="Roboto Condensed" pitchFamily="2" charset="0"/>
-              </a:rPr>
-            </a:br>
-            <a:endParaRPr lang="en-US" sz="2400" b="0" dirty="0" smtClean="0">
-              <a:solidFill>
-                <a:schemeClr val="tx1">
-                  <a:lumMod val="95000"/>
-                  <a:lumOff val="5000"/>
-                </a:schemeClr>
-              </a:solidFill>
-              <a:ea typeface="Roboto Condensed" pitchFamily="2" charset="0"/>
-            </a:endParaRPr>
-          </a:p>
-          <a:p>
-            <a:pPr marL="342900" indent="-342900">
-              <a:lnSpc>
-                <a:spcPct val="100000"/>
-              </a:lnSpc>
-              <a:buFont typeface="Arial" panose="020B0604020202020204" pitchFamily="34" charset="0"/>
-              <a:buChar char="•"/>
-            </a:pPr>
-            <a:r>
-              <a:rPr lang="en-US" sz="2400" b="0" dirty="0" smtClean="0">
-                <a:solidFill>
-                  <a:schemeClr val="tx1">
-                    <a:lumMod val="95000"/>
-                    <a:lumOff val="5000"/>
-                  </a:schemeClr>
-                </a:solidFill>
-                <a:ea typeface="Roboto Condensed" pitchFamily="2" charset="0"/>
-              </a:rPr>
-              <a:t>Tránh chạm vào các bộ phận</a:t>
-            </a:r>
-            <a:br>
-              <a:rPr lang="en-US" sz="2400" b="0" dirty="0" smtClean="0">
-                <a:solidFill>
-                  <a:schemeClr val="tx1">
-                    <a:lumMod val="95000"/>
-                    <a:lumOff val="5000"/>
-                  </a:schemeClr>
-                </a:solidFill>
-                <a:ea typeface="Roboto Condensed" pitchFamily="2" charset="0"/>
-              </a:rPr>
-            </a:br>
-            <a:endParaRPr lang="en-US" sz="2400" b="0" dirty="0" smtClean="0">
-              <a:solidFill>
-                <a:schemeClr val="tx1">
-                  <a:lumMod val="95000"/>
-                  <a:lumOff val="5000"/>
-                </a:schemeClr>
-              </a:solidFill>
-              <a:ea typeface="Roboto Condensed" pitchFamily="2" charset="0"/>
-            </a:endParaRPr>
-          </a:p>
-          <a:p>
-            <a:pPr marL="342900" indent="-342900">
-              <a:lnSpc>
-                <a:spcPct val="100000"/>
-              </a:lnSpc>
-              <a:buFont typeface="Arial" panose="020B0604020202020204" pitchFamily="34" charset="0"/>
-              <a:buChar char="•"/>
-            </a:pPr>
-            <a:r>
-              <a:rPr lang="en-US" sz="2400" b="0" dirty="0" smtClean="0">
-                <a:solidFill>
-                  <a:schemeClr val="tx1">
-                    <a:lumMod val="95000"/>
-                    <a:lumOff val="5000"/>
-                  </a:schemeClr>
-                </a:solidFill>
-                <a:ea typeface="Roboto Condensed" pitchFamily="2" charset="0"/>
-              </a:rPr>
-              <a:t>Tránh xa micro:bit khỏi nước</a:t>
-            </a:r>
-          </a:p>
-        </p:txBody>
-      </p:sp>
-      <p:sp>
-        <p:nvSpPr>
-          <p:cNvPr id="9" name="Rectangle 8"/>
+          <p:cNvPr id="3" name="Rectangle 2"/>
           <p:cNvSpPr/>
           <p:nvPr/>
         </p:nvSpPr>
@@ -4304,7 +4500,7 @@
       </p:sp>
       <p:sp>
         <p:nvSpPr>
-          <p:cNvPr id="11" name="TextBox 10"/>
+          <p:cNvPr id="4" name="TextBox 3"/>
           <p:cNvSpPr txBox="1"/>
           <p:nvPr/>
         </p:nvSpPr>
@@ -4332,25 +4528,937 @@
                 <a:latin typeface="UTM Helve" panose="02040603050506020204" pitchFamily="18" charset="0"/>
                 <a:ea typeface="Roboto" pitchFamily="2" charset="0"/>
               </a:rPr>
-              <a:t>Head </a:t>
-            </a:r>
-            <a:r>
-              <a:rPr lang="en-US" sz="2400" b="1" dirty="0">
-                <a:solidFill>
-                  <a:srgbClr val="64C7E9"/>
+              <a:t>12.4 Hoạt động học viên</a:t>
+            </a:r>
+            <a:endParaRPr lang="en-US" sz="2400" b="1" dirty="0">
+              <a:solidFill>
+                <a:srgbClr val="64C7E9"/>
+              </a:solidFill>
+              <a:latin typeface="UTM Helve" panose="02040603050506020204" pitchFamily="18" charset="0"/>
+              <a:ea typeface="Roboto" pitchFamily="2" charset="0"/>
+            </a:endParaRPr>
+          </a:p>
+        </p:txBody>
+      </p:sp>
+      <p:sp>
+        <p:nvSpPr>
+          <p:cNvPr id="5" name="TextBox 4"/>
+          <p:cNvSpPr txBox="1"/>
+          <p:nvPr/>
+        </p:nvSpPr>
+        <p:spPr>
+          <a:xfrm>
+            <a:off x="1265306" y="1364739"/>
+            <a:ext cx="5877616" cy="461665"/>
+          </a:xfrm>
+          <a:prstGeom prst="rect">
+            <a:avLst/>
+          </a:prstGeom>
+          <a:noFill/>
+        </p:spPr>
+        <p:txBody>
+          <a:bodyPr wrap="square" rtlCol="0">
+            <a:spAutoFit/>
+          </a:bodyPr>
+          <a:lstStyle/>
+          <a:p>
+            <a:r>
+              <a:rPr lang="vi-VN" sz="2400" b="1" dirty="0">
+                <a:solidFill>
+                  <a:schemeClr val="tx1">
+                    <a:lumMod val="85000"/>
+                    <a:lumOff val="15000"/>
+                  </a:schemeClr>
                 </a:solidFill>
                 <a:latin typeface="UTM Helve" panose="02040603050506020204" pitchFamily="18" charset="0"/>
                 <a:ea typeface="Roboto" pitchFamily="2" charset="0"/>
               </a:rPr>
-              <a:t>Light và RGB LED trên reka:bit</a:t>
-            </a:r>
+              <a:t>Xe </a:t>
+            </a:r>
+            <a:r>
+              <a:rPr lang="en-US" sz="2400" b="1" dirty="0" smtClean="0">
+                <a:solidFill>
+                  <a:schemeClr val="tx1">
+                    <a:lumMod val="85000"/>
+                    <a:lumOff val="15000"/>
+                  </a:schemeClr>
+                </a:solidFill>
+                <a:latin typeface="UTM Helve" panose="02040603050506020204" pitchFamily="18" charset="0"/>
+                <a:ea typeface="Roboto" pitchFamily="2" charset="0"/>
+              </a:rPr>
+              <a:t>cấp cứu zoom:bit phiên bản mới</a:t>
+            </a:r>
+            <a:endParaRPr lang="en-US" sz="2400" b="1" dirty="0">
+              <a:solidFill>
+                <a:schemeClr val="tx1">
+                  <a:lumMod val="85000"/>
+                  <a:lumOff val="15000"/>
+                </a:schemeClr>
+              </a:solidFill>
+              <a:latin typeface="UTM Helve" panose="02040603050506020204" pitchFamily="18" charset="0"/>
+              <a:ea typeface="Roboto" pitchFamily="2" charset="0"/>
+            </a:endParaRPr>
+          </a:p>
+        </p:txBody>
+      </p:sp>
+      <p:pic>
+        <p:nvPicPr>
+          <p:cNvPr id="6" name="Picture 5"/>
+          <p:cNvPicPr>
+            <a:picLocks noChangeAspect="1"/>
+          </p:cNvPicPr>
+          <p:nvPr/>
+        </p:nvPicPr>
+        <p:blipFill>
+          <a:blip r:embed="rId2">
+            <a:extLst>
+              <a:ext uri="{28A0092B-C50C-407E-A947-70E740481C1C}">
+                <a14:useLocalDpi xmlns:a14="http://schemas.microsoft.com/office/drawing/2010/main" val="0"/>
+              </a:ext>
+            </a:extLst>
+          </a:blip>
+          <a:stretch>
+            <a:fillRect/>
+          </a:stretch>
+        </p:blipFill>
+        <p:spPr>
+          <a:xfrm>
+            <a:off x="709053" y="1437696"/>
+            <a:ext cx="466725" cy="409575"/>
+          </a:xfrm>
+          <a:prstGeom prst="rect">
+            <a:avLst/>
+          </a:prstGeom>
+        </p:spPr>
+      </p:pic>
+      <p:sp>
+        <p:nvSpPr>
+          <p:cNvPr id="11" name="Rectangle 10"/>
+          <p:cNvSpPr/>
+          <p:nvPr/>
+        </p:nvSpPr>
+        <p:spPr>
+          <a:xfrm>
+            <a:off x="822612" y="2130189"/>
+            <a:ext cx="171494" cy="171494"/>
+          </a:xfrm>
+          <a:prstGeom prst="rect">
+            <a:avLst/>
+          </a:prstGeom>
+          <a:solidFill>
+            <a:srgbClr val="64C7E9"/>
+          </a:solidFill>
+          <a:ln>
+            <a:noFill/>
+          </a:ln>
+        </p:spPr>
+        <p:style>
+          <a:lnRef idx="2">
+            <a:schemeClr val="accent1">
+              <a:shade val="50000"/>
+            </a:schemeClr>
+          </a:lnRef>
+          <a:fillRef idx="1">
+            <a:schemeClr val="accent1"/>
+          </a:fillRef>
+          <a:effectRef idx="0">
+            <a:schemeClr val="accent1"/>
+          </a:effectRef>
+          <a:fontRef idx="minor">
+            <a:schemeClr val="lt1"/>
+          </a:fontRef>
+        </p:style>
+        <p:txBody>
+          <a:bodyPr rtlCol="0" anchor="ctr"/>
+          <a:lstStyle/>
+          <a:p>
+            <a:pPr algn="ctr"/>
+            <a:endParaRPr lang="en-US"/>
+          </a:p>
+        </p:txBody>
+      </p:sp>
+      <p:sp>
+        <p:nvSpPr>
+          <p:cNvPr id="12" name="Title 1"/>
+          <p:cNvSpPr txBox="1">
+            <a:spLocks/>
+          </p:cNvSpPr>
+          <p:nvPr/>
+        </p:nvSpPr>
+        <p:spPr>
+          <a:xfrm>
+            <a:off x="1060366" y="3106487"/>
+            <a:ext cx="3979607" cy="1038721"/>
+          </a:xfrm>
+          <a:prstGeom prst="rect">
+            <a:avLst/>
+          </a:prstGeom>
+        </p:spPr>
+        <p:txBody>
+          <a:bodyPr/>
+          <a:lstStyle>
+            <a:lvl1pPr algn="l" defTabSz="914400" rtl="0" eaLnBrk="1" latinLnBrk="0" hangingPunct="1">
+              <a:lnSpc>
+                <a:spcPct val="90000"/>
+              </a:lnSpc>
+              <a:spcBef>
+                <a:spcPct val="0"/>
+              </a:spcBef>
+              <a:buNone/>
+              <a:defRPr sz="3200" b="1" kern="1200">
+                <a:solidFill>
+                  <a:srgbClr val="019DD0"/>
+                </a:solidFill>
+                <a:latin typeface="Arial" panose="020B0604020202020204" pitchFamily="34" charset="0"/>
+                <a:ea typeface="+mj-ea"/>
+                <a:cs typeface="Arial" panose="020B0604020202020204" pitchFamily="34" charset="0"/>
+              </a:defRPr>
+            </a:lvl1pPr>
+          </a:lstStyle>
+          <a:p>
+            <a:pPr>
+              <a:lnSpc>
+                <a:spcPct val="100000"/>
+              </a:lnSpc>
+            </a:pPr>
+            <a:r>
+              <a:rPr lang="vi-VN" sz="2000" b="0" dirty="0">
+                <a:solidFill>
+                  <a:schemeClr val="tx1">
+                    <a:lumMod val="95000"/>
+                    <a:lumOff val="5000"/>
+                  </a:schemeClr>
+                </a:solidFill>
+                <a:ea typeface="Roboto Condensed" pitchFamily="2" charset="0"/>
+              </a:rPr>
+              <a:t>Nhấn Button B, rẻ </a:t>
+            </a:r>
+            <a:r>
+              <a:rPr lang="en-US" sz="2000" b="0" dirty="0" smtClean="0">
+                <a:solidFill>
+                  <a:schemeClr val="tx1">
+                    <a:lumMod val="95000"/>
+                    <a:lumOff val="5000"/>
+                  </a:schemeClr>
+                </a:solidFill>
+                <a:ea typeface="Roboto Condensed" pitchFamily="2" charset="0"/>
+              </a:rPr>
+              <a:t>trái</a:t>
+            </a:r>
+            <a:r>
+              <a:rPr lang="vi-VN" sz="2000" b="0" dirty="0" smtClean="0">
+                <a:solidFill>
+                  <a:schemeClr val="tx1">
+                    <a:lumMod val="95000"/>
+                    <a:lumOff val="5000"/>
+                  </a:schemeClr>
+                </a:solidFill>
+                <a:ea typeface="Roboto Condensed" pitchFamily="2" charset="0"/>
+              </a:rPr>
+              <a:t> </a:t>
+            </a:r>
+            <a:r>
+              <a:rPr lang="vi-VN" sz="2000" b="0" dirty="0">
+                <a:solidFill>
+                  <a:schemeClr val="tx1">
+                    <a:lumMod val="95000"/>
+                    <a:lumOff val="5000"/>
+                  </a:schemeClr>
+                </a:solidFill>
+                <a:ea typeface="Roboto Condensed" pitchFamily="2" charset="0"/>
+              </a:rPr>
+              <a:t>và Servo xoay phải 45 độ, màn hình LED hiển thị mũi trên hướng phải</a:t>
+            </a:r>
+            <a:endParaRPr lang="en-US" sz="2000" dirty="0" smtClean="0">
+              <a:solidFill>
+                <a:schemeClr val="tx1">
+                  <a:lumMod val="95000"/>
+                  <a:lumOff val="5000"/>
+                </a:schemeClr>
+              </a:solidFill>
+              <a:ea typeface="Roboto Condensed" pitchFamily="2" charset="0"/>
+            </a:endParaRPr>
+          </a:p>
+        </p:txBody>
+      </p:sp>
+      <p:sp>
+        <p:nvSpPr>
+          <p:cNvPr id="13" name="Rectangle 12"/>
+          <p:cNvSpPr/>
+          <p:nvPr/>
+        </p:nvSpPr>
+        <p:spPr>
+          <a:xfrm>
+            <a:off x="822612" y="3249944"/>
+            <a:ext cx="171494" cy="171494"/>
+          </a:xfrm>
+          <a:prstGeom prst="rect">
+            <a:avLst/>
+          </a:prstGeom>
+          <a:solidFill>
+            <a:srgbClr val="64C7E9"/>
+          </a:solidFill>
+          <a:ln>
+            <a:noFill/>
+          </a:ln>
+        </p:spPr>
+        <p:style>
+          <a:lnRef idx="2">
+            <a:schemeClr val="accent1">
+              <a:shade val="50000"/>
+            </a:schemeClr>
+          </a:lnRef>
+          <a:fillRef idx="1">
+            <a:schemeClr val="accent1"/>
+          </a:fillRef>
+          <a:effectRef idx="0">
+            <a:schemeClr val="accent1"/>
+          </a:effectRef>
+          <a:fontRef idx="minor">
+            <a:schemeClr val="lt1"/>
+          </a:fontRef>
+        </p:style>
+        <p:txBody>
+          <a:bodyPr rtlCol="0" anchor="ctr"/>
+          <a:lstStyle/>
+          <a:p>
+            <a:pPr algn="ctr"/>
+            <a:endParaRPr lang="en-US"/>
+          </a:p>
+        </p:txBody>
+      </p:sp>
+      <p:sp>
+        <p:nvSpPr>
+          <p:cNvPr id="15" name="Title 1"/>
+          <p:cNvSpPr txBox="1">
+            <a:spLocks/>
+          </p:cNvSpPr>
+          <p:nvPr/>
+        </p:nvSpPr>
+        <p:spPr>
+          <a:xfrm>
+            <a:off x="1060366" y="2004172"/>
+            <a:ext cx="3979607" cy="1059791"/>
+          </a:xfrm>
+          <a:prstGeom prst="rect">
+            <a:avLst/>
+          </a:prstGeom>
+        </p:spPr>
+        <p:txBody>
+          <a:bodyPr/>
+          <a:lstStyle>
+            <a:lvl1pPr algn="l" defTabSz="914400" rtl="0" eaLnBrk="1" latinLnBrk="0" hangingPunct="1">
+              <a:lnSpc>
+                <a:spcPct val="90000"/>
+              </a:lnSpc>
+              <a:spcBef>
+                <a:spcPct val="0"/>
+              </a:spcBef>
+              <a:buNone/>
+              <a:defRPr sz="3200" b="1" kern="1200">
+                <a:solidFill>
+                  <a:srgbClr val="019DD0"/>
+                </a:solidFill>
+                <a:latin typeface="Arial" panose="020B0604020202020204" pitchFamily="34" charset="0"/>
+                <a:ea typeface="+mj-ea"/>
+                <a:cs typeface="Arial" panose="020B0604020202020204" pitchFamily="34" charset="0"/>
+              </a:defRPr>
+            </a:lvl1pPr>
+          </a:lstStyle>
+          <a:p>
+            <a:pPr>
+              <a:lnSpc>
+                <a:spcPct val="100000"/>
+              </a:lnSpc>
+            </a:pPr>
+            <a:r>
+              <a:rPr lang="vi-VN" sz="2000" b="0" dirty="0">
+                <a:solidFill>
+                  <a:schemeClr val="tx1">
+                    <a:lumMod val="95000"/>
+                    <a:lumOff val="5000"/>
+                  </a:schemeClr>
+                </a:solidFill>
+                <a:ea typeface="Roboto Condensed" pitchFamily="2" charset="0"/>
+              </a:rPr>
+              <a:t>Nhấn button A, rẻ </a:t>
+            </a:r>
+            <a:r>
+              <a:rPr lang="en-US" sz="2000" b="0" dirty="0" smtClean="0">
+                <a:solidFill>
+                  <a:schemeClr val="tx1">
+                    <a:lumMod val="95000"/>
+                    <a:lumOff val="5000"/>
+                  </a:schemeClr>
+                </a:solidFill>
+                <a:ea typeface="Roboto Condensed" pitchFamily="2" charset="0"/>
+              </a:rPr>
+              <a:t>phải</a:t>
+            </a:r>
+            <a:r>
+              <a:rPr lang="vi-VN" sz="2000" b="0" dirty="0" smtClean="0">
+                <a:solidFill>
+                  <a:schemeClr val="tx1">
+                    <a:lumMod val="95000"/>
+                    <a:lumOff val="5000"/>
+                  </a:schemeClr>
+                </a:solidFill>
+                <a:ea typeface="Roboto Condensed" pitchFamily="2" charset="0"/>
+              </a:rPr>
+              <a:t> </a:t>
+            </a:r>
+            <a:r>
+              <a:rPr lang="vi-VN" sz="2000" b="0" dirty="0">
+                <a:solidFill>
+                  <a:schemeClr val="tx1">
+                    <a:lumMod val="95000"/>
+                    <a:lumOff val="5000"/>
+                  </a:schemeClr>
+                </a:solidFill>
+                <a:ea typeface="Roboto Condensed" pitchFamily="2" charset="0"/>
+              </a:rPr>
+              <a:t>và Servo xoay trái 45 độ, màn hình LED hiển thị mũi trên hướng trái</a:t>
+            </a:r>
+            <a:endParaRPr lang="en-US" sz="2000" dirty="0" smtClean="0">
+              <a:solidFill>
+                <a:schemeClr val="tx1">
+                  <a:lumMod val="95000"/>
+                  <a:lumOff val="5000"/>
+                </a:schemeClr>
+              </a:solidFill>
+              <a:ea typeface="Roboto Condensed" pitchFamily="2" charset="0"/>
+            </a:endParaRPr>
+          </a:p>
+        </p:txBody>
+      </p:sp>
+      <p:sp>
+        <p:nvSpPr>
+          <p:cNvPr id="7" name="Rectangle 1"/>
+          <p:cNvSpPr>
+            <a:spLocks noChangeArrowheads="1"/>
+          </p:cNvSpPr>
+          <p:nvPr/>
+        </p:nvSpPr>
+        <p:spPr bwMode="auto">
+          <a:xfrm>
+            <a:off x="0" y="0"/>
+            <a:ext cx="9144000" cy="0"/>
+          </a:xfrm>
+          <a:prstGeom prst="rect">
+            <a:avLst/>
+          </a:prstGeom>
+          <a:solidFill>
+            <a:srgbClr val="0D1117"/>
+          </a:solidFill>
+          <a:ln>
+            <a:noFill/>
+          </a:ln>
+          <a:effectLst/>
+          <a:extLst>
+            <a:ext uri="{91240B29-F687-4F45-9708-019B960494DF}">
+              <a14:hiddenLine xmlns:a14="http://schemas.microsoft.com/office/drawing/2010/main" w="9525">
+                <a:solidFill>
+                  <a:schemeClr val="tx1"/>
+                </a:solidFill>
+                <a:miter lim="800000"/>
+                <a:headEnd/>
+                <a:tailEnd/>
+              </a14:hiddenLine>
+            </a:ext>
+            <a:ext uri="{AF507438-7753-43E0-B8FC-AC1667EBCBE1}">
+              <a14:hiddenEffects xmlns:a14="http://schemas.microsoft.com/office/drawing/2010/main">
+                <a:effectLst>
+                  <a:outerShdw dist="35921" dir="2700000" algn="ctr" rotWithShape="0">
+                    <a:schemeClr val="bg2"/>
+                  </a:outerShdw>
+                </a:effectLst>
+              </a14:hiddenEffects>
+            </a:ext>
+          </a:extLst>
+        </p:spPr>
+        <p:txBody>
+          <a:bodyPr vert="horz" wrap="none" lIns="0" tIns="0" rIns="0" bIns="0" numCol="1" anchor="ctr" anchorCtr="0" compatLnSpc="1">
+            <a:prstTxWarp prst="textNoShape">
+              <a:avLst/>
+            </a:prstTxWarp>
+            <a:spAutoFit/>
+          </a:bodyPr>
+          <a:lstStyle/>
+          <a:p>
+            <a:pPr marL="0" marR="0" lvl="0" indent="0" algn="l" defTabSz="914400" rtl="0" eaLnBrk="0" fontAlgn="base" latinLnBrk="0" hangingPunct="0">
+              <a:lnSpc>
+                <a:spcPct val="100000"/>
+              </a:lnSpc>
+              <a:spcBef>
+                <a:spcPct val="0"/>
+              </a:spcBef>
+              <a:spcAft>
+                <a:spcPct val="0"/>
+              </a:spcAft>
+              <a:buClrTx/>
+              <a:buSzTx/>
+              <a:buFontTx/>
+              <a:buNone/>
+              <a:tabLst/>
+            </a:pPr>
+            <a:endParaRPr kumimoji="0" lang="en-US" altLang="en-US" sz="1800" b="0" i="0" u="none" strike="noStrike" cap="none" normalizeH="0" baseline="0" smtClean="0">
+              <a:ln>
+                <a:noFill/>
+              </a:ln>
+              <a:solidFill>
+                <a:schemeClr val="tx1"/>
+              </a:solidFill>
+              <a:effectLst/>
+              <a:latin typeface="Arial" panose="020B0604020202020204" pitchFamily="34" charset="0"/>
+            </a:endParaRPr>
+          </a:p>
+          <a:p>
+            <a:pPr marL="0" marR="0" lvl="0" indent="0" algn="l" defTabSz="914400" rtl="0" eaLnBrk="0" fontAlgn="base" latinLnBrk="0" hangingPunct="0">
+              <a:lnSpc>
+                <a:spcPct val="100000"/>
+              </a:lnSpc>
+              <a:spcBef>
+                <a:spcPct val="0"/>
+              </a:spcBef>
+              <a:spcAft>
+                <a:spcPct val="0"/>
+              </a:spcAft>
+              <a:buClrTx/>
+              <a:buSzTx/>
+              <a:buFontTx/>
+              <a:buChar char="•"/>
+              <a:tabLst/>
+            </a:pPr>
+            <a:r>
+              <a:rPr kumimoji="0" lang="en-US" altLang="en-US" sz="1200" b="0" i="0" u="none" strike="noStrike" cap="none" normalizeH="0" baseline="0" smtClean="0">
+                <a:ln>
+                  <a:noFill/>
+                </a:ln>
+                <a:solidFill>
+                  <a:srgbClr val="E6EDF3"/>
+                </a:solidFill>
+                <a:effectLst/>
+                <a:latin typeface="-apple-system"/>
+              </a:rPr>
+              <a:t>Khởi động lên thì cho Servo xoay đầu phía trước, tức servo 90 độ. Màn hình LED hiển thị mặt cười. Bật âm thanh </a:t>
+            </a:r>
+            <a:r>
+              <a:rPr kumimoji="0" lang="en-US" altLang="en-US" sz="900" b="0" i="0" u="none" strike="noStrike" cap="none" normalizeH="0" baseline="0" smtClean="0">
+                <a:ln>
+                  <a:noFill/>
+                </a:ln>
+                <a:solidFill>
+                  <a:srgbClr val="E6EDF3"/>
+                </a:solidFill>
+                <a:effectLst/>
+                <a:latin typeface="ui-monospace"/>
+              </a:rPr>
+              <a:t>power up</a:t>
+            </a:r>
+            <a:endParaRPr kumimoji="0" lang="en-US" altLang="en-US" sz="1200" b="0" i="0" u="none" strike="noStrike" cap="none" normalizeH="0" baseline="0" smtClean="0">
+              <a:ln>
+                <a:noFill/>
+              </a:ln>
+              <a:solidFill>
+                <a:srgbClr val="E6EDF3"/>
+              </a:solidFill>
+              <a:effectLst/>
+              <a:latin typeface="-apple-system"/>
+            </a:endParaRPr>
+          </a:p>
+          <a:p>
+            <a:pPr marL="0" marR="0" lvl="0" indent="0" algn="l" defTabSz="914400" rtl="0" eaLnBrk="0" fontAlgn="base" latinLnBrk="0" hangingPunct="0">
+              <a:lnSpc>
+                <a:spcPct val="100000"/>
+              </a:lnSpc>
+              <a:spcBef>
+                <a:spcPct val="0"/>
+              </a:spcBef>
+              <a:spcAft>
+                <a:spcPct val="0"/>
+              </a:spcAft>
+              <a:buClrTx/>
+              <a:buSzTx/>
+              <a:buFontTx/>
+              <a:buNone/>
+              <a:tabLst/>
+            </a:pPr>
+            <a:endParaRPr kumimoji="0" lang="en-US" altLang="en-US" sz="1800" b="0" i="0" u="none" strike="noStrike" cap="none" normalizeH="0" baseline="0" smtClean="0">
+              <a:ln>
+                <a:noFill/>
+              </a:ln>
+              <a:solidFill>
+                <a:schemeClr val="tx1"/>
+              </a:solidFill>
+              <a:effectLst/>
+              <a:latin typeface="Arial" panose="020B0604020202020204" pitchFamily="34" charset="0"/>
+            </a:endParaRPr>
+          </a:p>
+        </p:txBody>
+      </p:sp>
+      <p:sp>
+        <p:nvSpPr>
+          <p:cNvPr id="14" name="Title 1"/>
+          <p:cNvSpPr txBox="1">
+            <a:spLocks/>
+          </p:cNvSpPr>
+          <p:nvPr/>
+        </p:nvSpPr>
+        <p:spPr>
+          <a:xfrm>
+            <a:off x="1060366" y="4155454"/>
+            <a:ext cx="3979607" cy="1038721"/>
+          </a:xfrm>
+          <a:prstGeom prst="rect">
+            <a:avLst/>
+          </a:prstGeom>
+        </p:spPr>
+        <p:txBody>
+          <a:bodyPr/>
+          <a:lstStyle>
+            <a:lvl1pPr algn="l" defTabSz="914400" rtl="0" eaLnBrk="1" latinLnBrk="0" hangingPunct="1">
+              <a:lnSpc>
+                <a:spcPct val="90000"/>
+              </a:lnSpc>
+              <a:spcBef>
+                <a:spcPct val="0"/>
+              </a:spcBef>
+              <a:buNone/>
+              <a:defRPr sz="3200" b="1" kern="1200">
+                <a:solidFill>
+                  <a:srgbClr val="019DD0"/>
+                </a:solidFill>
+                <a:latin typeface="Arial" panose="020B0604020202020204" pitchFamily="34" charset="0"/>
+                <a:ea typeface="+mj-ea"/>
+                <a:cs typeface="Arial" panose="020B0604020202020204" pitchFamily="34" charset="0"/>
+              </a:defRPr>
+            </a:lvl1pPr>
+          </a:lstStyle>
+          <a:p>
+            <a:pPr>
+              <a:lnSpc>
+                <a:spcPct val="100000"/>
+              </a:lnSpc>
+            </a:pPr>
+            <a:r>
+              <a:rPr lang="en-US" sz="2000" b="0" dirty="0" smtClean="0">
+                <a:solidFill>
+                  <a:schemeClr val="tx1">
+                    <a:lumMod val="95000"/>
+                    <a:lumOff val="5000"/>
+                  </a:schemeClr>
+                </a:solidFill>
+                <a:ea typeface="Roboto Condensed" pitchFamily="2" charset="0"/>
+              </a:rPr>
+              <a:t>Chạm Logo </a:t>
+            </a:r>
+            <a:r>
+              <a:rPr lang="vi-VN" sz="2000" b="0" dirty="0" smtClean="0">
+                <a:solidFill>
+                  <a:schemeClr val="tx1">
+                    <a:lumMod val="95000"/>
+                    <a:lumOff val="5000"/>
+                  </a:schemeClr>
+                </a:solidFill>
+                <a:ea typeface="Roboto Condensed" pitchFamily="2" charset="0"/>
+              </a:rPr>
+              <a:t>đi </a:t>
+            </a:r>
+            <a:r>
+              <a:rPr lang="vi-VN" sz="2000" b="0" dirty="0">
+                <a:solidFill>
+                  <a:schemeClr val="tx1">
+                    <a:lumMod val="95000"/>
+                    <a:lumOff val="5000"/>
+                  </a:schemeClr>
+                </a:solidFill>
+                <a:ea typeface="Roboto Condensed" pitchFamily="2" charset="0"/>
+              </a:rPr>
+              <a:t>thẳng, Servo xoay về trước 90 độ, màn hình LED hiển thị mũi trên hướng lên</a:t>
+            </a:r>
+            <a:endParaRPr lang="en-US" sz="2000" dirty="0" smtClean="0">
+              <a:solidFill>
+                <a:schemeClr val="tx1">
+                  <a:lumMod val="95000"/>
+                  <a:lumOff val="5000"/>
+                </a:schemeClr>
+              </a:solidFill>
+              <a:ea typeface="Roboto Condensed" pitchFamily="2" charset="0"/>
+            </a:endParaRPr>
+          </a:p>
+        </p:txBody>
+      </p:sp>
+      <p:sp>
+        <p:nvSpPr>
+          <p:cNvPr id="16" name="Rectangle 15"/>
+          <p:cNvSpPr/>
+          <p:nvPr/>
+        </p:nvSpPr>
+        <p:spPr>
+          <a:xfrm>
+            <a:off x="822612" y="4298911"/>
+            <a:ext cx="171494" cy="171494"/>
+          </a:xfrm>
+          <a:prstGeom prst="rect">
+            <a:avLst/>
+          </a:prstGeom>
+          <a:solidFill>
+            <a:srgbClr val="64C7E9"/>
+          </a:solidFill>
+          <a:ln>
+            <a:noFill/>
+          </a:ln>
+        </p:spPr>
+        <p:style>
+          <a:lnRef idx="2">
+            <a:schemeClr val="accent1">
+              <a:shade val="50000"/>
+            </a:schemeClr>
+          </a:lnRef>
+          <a:fillRef idx="1">
+            <a:schemeClr val="accent1"/>
+          </a:fillRef>
+          <a:effectRef idx="0">
+            <a:schemeClr val="accent1"/>
+          </a:effectRef>
+          <a:fontRef idx="minor">
+            <a:schemeClr val="lt1"/>
+          </a:fontRef>
+        </p:style>
+        <p:txBody>
+          <a:bodyPr rtlCol="0" anchor="ctr"/>
+          <a:lstStyle/>
+          <a:p>
+            <a:pPr algn="ctr"/>
+            <a:endParaRPr lang="en-US"/>
+          </a:p>
+        </p:txBody>
+      </p:sp>
+      <p:sp>
+        <p:nvSpPr>
+          <p:cNvPr id="17" name="Title 1"/>
+          <p:cNvSpPr txBox="1">
+            <a:spLocks/>
+          </p:cNvSpPr>
+          <p:nvPr/>
+        </p:nvSpPr>
+        <p:spPr>
+          <a:xfrm>
+            <a:off x="1060366" y="5375917"/>
+            <a:ext cx="3979607" cy="1038721"/>
+          </a:xfrm>
+          <a:prstGeom prst="rect">
+            <a:avLst/>
+          </a:prstGeom>
+        </p:spPr>
+        <p:txBody>
+          <a:bodyPr/>
+          <a:lstStyle>
+            <a:lvl1pPr algn="l" defTabSz="914400" rtl="0" eaLnBrk="1" latinLnBrk="0" hangingPunct="1">
+              <a:lnSpc>
+                <a:spcPct val="90000"/>
+              </a:lnSpc>
+              <a:spcBef>
+                <a:spcPct val="0"/>
+              </a:spcBef>
+              <a:buNone/>
+              <a:defRPr sz="3200" b="1" kern="1200">
+                <a:solidFill>
+                  <a:srgbClr val="019DD0"/>
+                </a:solidFill>
+                <a:latin typeface="Arial" panose="020B0604020202020204" pitchFamily="34" charset="0"/>
+                <a:ea typeface="+mj-ea"/>
+                <a:cs typeface="Arial" panose="020B0604020202020204" pitchFamily="34" charset="0"/>
+              </a:defRPr>
+            </a:lvl1pPr>
+          </a:lstStyle>
+          <a:p>
+            <a:pPr>
+              <a:lnSpc>
+                <a:spcPct val="100000"/>
+              </a:lnSpc>
+            </a:pPr>
+            <a:r>
+              <a:rPr lang="vi-VN" sz="2000" b="0" dirty="0">
+                <a:solidFill>
+                  <a:schemeClr val="tx1">
+                    <a:lumMod val="95000"/>
+                    <a:lumOff val="5000"/>
+                  </a:schemeClr>
+                </a:solidFill>
+                <a:ea typeface="Roboto Condensed" pitchFamily="2" charset="0"/>
+              </a:rPr>
+              <a:t>Nhấn A+B, đi </a:t>
+            </a:r>
+            <a:r>
+              <a:rPr lang="en-US" sz="2000" b="0" dirty="0" smtClean="0">
+                <a:solidFill>
+                  <a:schemeClr val="tx1">
+                    <a:lumMod val="95000"/>
+                    <a:lumOff val="5000"/>
+                  </a:schemeClr>
+                </a:solidFill>
+                <a:ea typeface="Roboto Condensed" pitchFamily="2" charset="0"/>
+              </a:rPr>
+              <a:t>lùi</a:t>
+            </a:r>
+            <a:r>
+              <a:rPr lang="vi-VN" sz="2000" b="0" dirty="0" smtClean="0">
+                <a:solidFill>
+                  <a:schemeClr val="tx1">
+                    <a:lumMod val="95000"/>
+                    <a:lumOff val="5000"/>
+                  </a:schemeClr>
+                </a:solidFill>
+                <a:ea typeface="Roboto Condensed" pitchFamily="2" charset="0"/>
+              </a:rPr>
+              <a:t>, </a:t>
+            </a:r>
+            <a:r>
+              <a:rPr lang="vi-VN" sz="2000" b="0" dirty="0">
+                <a:solidFill>
+                  <a:schemeClr val="tx1">
+                    <a:lumMod val="95000"/>
+                    <a:lumOff val="5000"/>
+                  </a:schemeClr>
+                </a:solidFill>
+                <a:ea typeface="Roboto Condensed" pitchFamily="2" charset="0"/>
+              </a:rPr>
+              <a:t>Servo xoay về trước 90 độ, màn hình LED hiển thị mũi trên hướng </a:t>
+            </a:r>
+            <a:r>
+              <a:rPr lang="en-US" sz="2000" b="0" dirty="0" smtClean="0">
+                <a:solidFill>
+                  <a:schemeClr val="tx1">
+                    <a:lumMod val="95000"/>
+                    <a:lumOff val="5000"/>
+                  </a:schemeClr>
+                </a:solidFill>
+                <a:ea typeface="Roboto Condensed" pitchFamily="2" charset="0"/>
+              </a:rPr>
+              <a:t>lùi</a:t>
+            </a:r>
+            <a:endParaRPr lang="en-US" sz="2000" dirty="0" smtClean="0">
+              <a:solidFill>
+                <a:schemeClr val="tx1">
+                  <a:lumMod val="95000"/>
+                  <a:lumOff val="5000"/>
+                </a:schemeClr>
+              </a:solidFill>
+              <a:ea typeface="Roboto Condensed" pitchFamily="2" charset="0"/>
+            </a:endParaRPr>
+          </a:p>
+        </p:txBody>
+      </p:sp>
+      <p:sp>
+        <p:nvSpPr>
+          <p:cNvPr id="18" name="Rectangle 17"/>
+          <p:cNvSpPr/>
+          <p:nvPr/>
+        </p:nvSpPr>
+        <p:spPr>
+          <a:xfrm>
+            <a:off x="822612" y="5519374"/>
+            <a:ext cx="171494" cy="171494"/>
+          </a:xfrm>
+          <a:prstGeom prst="rect">
+            <a:avLst/>
+          </a:prstGeom>
+          <a:solidFill>
+            <a:srgbClr val="64C7E9"/>
+          </a:solidFill>
+          <a:ln>
+            <a:noFill/>
+          </a:ln>
+        </p:spPr>
+        <p:style>
+          <a:lnRef idx="2">
+            <a:schemeClr val="accent1">
+              <a:shade val="50000"/>
+            </a:schemeClr>
+          </a:lnRef>
+          <a:fillRef idx="1">
+            <a:schemeClr val="accent1"/>
+          </a:fillRef>
+          <a:effectRef idx="0">
+            <a:schemeClr val="accent1"/>
+          </a:effectRef>
+          <a:fontRef idx="minor">
+            <a:schemeClr val="lt1"/>
+          </a:fontRef>
+        </p:style>
+        <p:txBody>
+          <a:bodyPr rtlCol="0" anchor="ctr"/>
+          <a:lstStyle/>
+          <a:p>
+            <a:pPr algn="ctr"/>
+            <a:endParaRPr lang="en-US"/>
+          </a:p>
+        </p:txBody>
+      </p:sp>
+      <p:pic>
+        <p:nvPicPr>
+          <p:cNvPr id="8" name="Picture 7"/>
+          <p:cNvPicPr>
+            <a:picLocks noChangeAspect="1"/>
+          </p:cNvPicPr>
+          <p:nvPr/>
+        </p:nvPicPr>
+        <p:blipFill>
+          <a:blip r:embed="rId3"/>
+          <a:stretch>
+            <a:fillRect/>
+          </a:stretch>
+        </p:blipFill>
+        <p:spPr>
+          <a:xfrm>
+            <a:off x="5106233" y="1980045"/>
+            <a:ext cx="3004097" cy="3581544"/>
+          </a:xfrm>
+          <a:prstGeom prst="rect">
+            <a:avLst/>
+          </a:prstGeom>
+        </p:spPr>
+      </p:pic>
+      <p:sp>
+        <p:nvSpPr>
+          <p:cNvPr id="19" name="TextBox 18"/>
+          <p:cNvSpPr txBox="1"/>
+          <p:nvPr/>
+        </p:nvSpPr>
+        <p:spPr>
+          <a:xfrm>
+            <a:off x="5256117" y="5753046"/>
+            <a:ext cx="2911032" cy="369332"/>
+          </a:xfrm>
+          <a:prstGeom prst="rect">
+            <a:avLst/>
+          </a:prstGeom>
+          <a:noFill/>
+        </p:spPr>
+        <p:txBody>
+          <a:bodyPr wrap="square" rtlCol="0">
+            <a:spAutoFit/>
+          </a:bodyPr>
+          <a:lstStyle/>
+          <a:p>
+            <a:r>
+              <a:rPr lang="en-US" i="1" dirty="0" smtClean="0">
+                <a:cs typeface="Arial" panose="020B0604020202020204" pitchFamily="34" charset="0"/>
+              </a:rPr>
+              <a:t>Âm thanh tín hiệu cấp cứu</a:t>
+            </a:r>
+            <a:endParaRPr lang="en-US" i="1" dirty="0">
+              <a:latin typeface="Arial" panose="020B0604020202020204" pitchFamily="34" charset="0"/>
+              <a:cs typeface="Arial" panose="020B0604020202020204" pitchFamily="34" charset="0"/>
+            </a:endParaRPr>
           </a:p>
         </p:txBody>
       </p:sp>
     </p:spTree>
     <p:extLst>
       <p:ext uri="{BB962C8B-B14F-4D97-AF65-F5344CB8AC3E}">
-        <p14:creationId xmlns:p14="http://schemas.microsoft.com/office/powerpoint/2010/main" val="2800974292"/>
+        <p14:creationId xmlns:p14="http://schemas.microsoft.com/office/powerpoint/2010/main" val="2242256468"/>
       </p:ext>
     </p:extLst>
   </p:cSld>
@@ -4403,7 +5511,153 @@
       </p:sp>
       <p:sp>
         <p:nvSpPr>
-          <p:cNvPr id="3" name="Rectangle 2"/>
+          <p:cNvPr id="7" name="TextBox 6"/>
+          <p:cNvSpPr txBox="1"/>
+          <p:nvPr/>
+        </p:nvSpPr>
+        <p:spPr>
+          <a:xfrm>
+            <a:off x="1098980" y="1272143"/>
+            <a:ext cx="6401750" cy="461665"/>
+          </a:xfrm>
+          <a:prstGeom prst="rect">
+            <a:avLst/>
+          </a:prstGeom>
+          <a:noFill/>
+        </p:spPr>
+        <p:txBody>
+          <a:bodyPr wrap="square" rtlCol="0">
+            <a:spAutoFit/>
+          </a:bodyPr>
+          <a:lstStyle/>
+          <a:p>
+            <a:r>
+              <a:rPr lang="en-US" sz="2400" b="1" dirty="0" smtClean="0">
+                <a:solidFill>
+                  <a:schemeClr val="tx1">
+                    <a:lumMod val="85000"/>
+                    <a:lumOff val="15000"/>
+                  </a:schemeClr>
+                </a:solidFill>
+                <a:latin typeface="UTM Helve" panose="02040603050506020204" pitchFamily="18" charset="0"/>
+                <a:ea typeface="Roboto" pitchFamily="2" charset="0"/>
+              </a:rPr>
+              <a:t>Xe buýt đến trường</a:t>
+            </a:r>
+            <a:endParaRPr lang="en-US" sz="2400" b="1" dirty="0">
+              <a:solidFill>
+                <a:schemeClr val="tx1">
+                  <a:lumMod val="85000"/>
+                  <a:lumOff val="15000"/>
+                </a:schemeClr>
+              </a:solidFill>
+              <a:latin typeface="UTM Helve" panose="02040603050506020204" pitchFamily="18" charset="0"/>
+              <a:ea typeface="Roboto" pitchFamily="2" charset="0"/>
+            </a:endParaRPr>
+          </a:p>
+        </p:txBody>
+      </p:sp>
+      <p:pic>
+        <p:nvPicPr>
+          <p:cNvPr id="8" name="Picture 7"/>
+          <p:cNvPicPr>
+            <a:picLocks noChangeAspect="1"/>
+          </p:cNvPicPr>
+          <p:nvPr/>
+        </p:nvPicPr>
+        <p:blipFill>
+          <a:blip r:embed="rId2">
+            <a:extLst>
+              <a:ext uri="{28A0092B-C50C-407E-A947-70E740481C1C}">
+                <a14:useLocalDpi xmlns:a14="http://schemas.microsoft.com/office/drawing/2010/main" val="0"/>
+              </a:ext>
+            </a:extLst>
+          </a:blip>
+          <a:stretch>
+            <a:fillRect/>
+          </a:stretch>
+        </p:blipFill>
+        <p:spPr>
+          <a:xfrm>
+            <a:off x="542728" y="1345100"/>
+            <a:ext cx="466725" cy="409575"/>
+          </a:xfrm>
+          <a:prstGeom prst="rect">
+            <a:avLst/>
+          </a:prstGeom>
+        </p:spPr>
+      </p:pic>
+      <p:sp>
+        <p:nvSpPr>
+          <p:cNvPr id="19" name="Title 1"/>
+          <p:cNvSpPr txBox="1">
+            <a:spLocks/>
+          </p:cNvSpPr>
+          <p:nvPr/>
+        </p:nvSpPr>
+        <p:spPr>
+          <a:xfrm>
+            <a:off x="542728" y="1927140"/>
+            <a:ext cx="7790129" cy="772904"/>
+          </a:xfrm>
+          <a:prstGeom prst="rect">
+            <a:avLst/>
+          </a:prstGeom>
+        </p:spPr>
+        <p:txBody>
+          <a:bodyPr/>
+          <a:lstStyle>
+            <a:lvl1pPr algn="l" defTabSz="914400" rtl="0" eaLnBrk="1" latinLnBrk="0" hangingPunct="1">
+              <a:lnSpc>
+                <a:spcPct val="90000"/>
+              </a:lnSpc>
+              <a:spcBef>
+                <a:spcPct val="0"/>
+              </a:spcBef>
+              <a:buNone/>
+              <a:defRPr sz="3200" b="1" kern="1200">
+                <a:solidFill>
+                  <a:srgbClr val="019DD0"/>
+                </a:solidFill>
+                <a:latin typeface="Arial" panose="020B0604020202020204" pitchFamily="34" charset="0"/>
+                <a:ea typeface="+mj-ea"/>
+                <a:cs typeface="Arial" panose="020B0604020202020204" pitchFamily="34" charset="0"/>
+              </a:defRPr>
+            </a:lvl1pPr>
+          </a:lstStyle>
+          <a:p>
+            <a:pPr>
+              <a:lnSpc>
+                <a:spcPct val="100000"/>
+              </a:lnSpc>
+            </a:pPr>
+            <a:r>
+              <a:rPr lang="en-US" sz="2000" b="0" dirty="0" smtClean="0">
+                <a:solidFill>
+                  <a:schemeClr val="tx1">
+                    <a:lumMod val="95000"/>
+                    <a:lumOff val="5000"/>
+                  </a:schemeClr>
+                </a:solidFill>
+                <a:ea typeface="Roboto Condensed" pitchFamily="2" charset="0"/>
+              </a:rPr>
+              <a:t>Áp dụng tất cả các kiến thức đã học lập trình giả lập zoom:bit như một chiếc xe buýt đón học sinh đến trường.</a:t>
+            </a:r>
+            <a:endParaRPr lang="vi-VN" sz="2000" b="0" dirty="0">
+              <a:solidFill>
+                <a:schemeClr val="tx1">
+                  <a:lumMod val="95000"/>
+                  <a:lumOff val="5000"/>
+                </a:schemeClr>
+              </a:solidFill>
+              <a:ea typeface="Roboto Condensed" pitchFamily="2" charset="0"/>
+            </a:endParaRPr>
+          </a:p>
+        </p:txBody>
+      </p:sp>
+      <p:sp>
+        <p:nvSpPr>
+          <p:cNvPr id="28" name="Rectangle 27"/>
           <p:cNvSpPr/>
           <p:nvPr/>
         </p:nvSpPr>
@@ -4458,7 +5712,7 @@
       </p:sp>
       <p:sp>
         <p:nvSpPr>
-          <p:cNvPr id="4" name="TextBox 3"/>
+          <p:cNvPr id="30" name="TextBox 29"/>
           <p:cNvSpPr txBox="1"/>
           <p:nvPr/>
         </p:nvSpPr>
@@ -4500,192 +5754,20 @@
       </p:sp>
       <p:sp>
         <p:nvSpPr>
-          <p:cNvPr id="5" name="TextBox 4"/>
-          <p:cNvSpPr txBox="1"/>
-          <p:nvPr/>
-        </p:nvSpPr>
-        <p:spPr>
-          <a:xfrm>
-            <a:off x="1265306" y="1364739"/>
-            <a:ext cx="5877616" cy="461665"/>
-          </a:xfrm>
-          <a:prstGeom prst="rect">
-            <a:avLst/>
-          </a:prstGeom>
-          <a:noFill/>
-        </p:spPr>
-        <p:txBody>
-          <a:bodyPr wrap="square" rtlCol="0">
-            <a:spAutoFit/>
-          </a:bodyPr>
-          <a:lstStyle/>
-          <a:p>
-            <a:r>
-              <a:rPr lang="vi-VN" sz="2400" b="1" dirty="0">
-                <a:solidFill>
-                  <a:schemeClr val="tx1">
-                    <a:lumMod val="85000"/>
-                    <a:lumOff val="15000"/>
-                  </a:schemeClr>
-                </a:solidFill>
-                <a:latin typeface="UTM Helve" panose="02040603050506020204" pitchFamily="18" charset="0"/>
-                <a:ea typeface="Roboto" pitchFamily="2" charset="0"/>
-              </a:rPr>
-              <a:t>Xe </a:t>
-            </a:r>
-            <a:r>
-              <a:rPr lang="en-US" sz="2400" b="1" dirty="0" smtClean="0">
-                <a:solidFill>
-                  <a:schemeClr val="tx1">
-                    <a:lumMod val="85000"/>
-                    <a:lumOff val="15000"/>
-                  </a:schemeClr>
-                </a:solidFill>
-                <a:latin typeface="UTM Helve" panose="02040603050506020204" pitchFamily="18" charset="0"/>
-                <a:ea typeface="Roboto" pitchFamily="2" charset="0"/>
-              </a:rPr>
-              <a:t>cấp cứu </a:t>
-            </a:r>
-            <a:r>
-              <a:rPr lang="en-US" sz="2400" b="1" dirty="0" smtClean="0">
-                <a:solidFill>
-                  <a:schemeClr val="tx1">
-                    <a:lumMod val="85000"/>
-                    <a:lumOff val="15000"/>
-                  </a:schemeClr>
-                </a:solidFill>
-                <a:latin typeface="UTM Helve" panose="02040603050506020204" pitchFamily="18" charset="0"/>
-                <a:ea typeface="Roboto" pitchFamily="2" charset="0"/>
-              </a:rPr>
-              <a:t>zoom:bit phiên bản mới</a:t>
-            </a:r>
-            <a:endParaRPr lang="en-US" sz="2400" b="1" dirty="0">
-              <a:solidFill>
-                <a:schemeClr val="tx1">
-                  <a:lumMod val="85000"/>
-                  <a:lumOff val="15000"/>
-                </a:schemeClr>
-              </a:solidFill>
-              <a:latin typeface="UTM Helve" panose="02040603050506020204" pitchFamily="18" charset="0"/>
-              <a:ea typeface="Roboto" pitchFamily="2" charset="0"/>
-            </a:endParaRPr>
-          </a:p>
-        </p:txBody>
-      </p:sp>
-      <p:pic>
-        <p:nvPicPr>
-          <p:cNvPr id="6" name="Picture 5"/>
-          <p:cNvPicPr>
-            <a:picLocks noChangeAspect="1"/>
-          </p:cNvPicPr>
-          <p:nvPr/>
-        </p:nvPicPr>
-        <p:blipFill>
-          <a:blip r:embed="rId2">
-            <a:extLst>
-              <a:ext uri="{28A0092B-C50C-407E-A947-70E740481C1C}">
-                <a14:useLocalDpi xmlns:a14="http://schemas.microsoft.com/office/drawing/2010/main" val="0"/>
-              </a:ext>
-            </a:extLst>
-          </a:blip>
-          <a:stretch>
-            <a:fillRect/>
-          </a:stretch>
-        </p:blipFill>
-        <p:spPr>
-          <a:xfrm>
-            <a:off x="709053" y="1437696"/>
-            <a:ext cx="466725" cy="409575"/>
-          </a:xfrm>
-          <a:prstGeom prst="rect">
-            <a:avLst/>
-          </a:prstGeom>
-        </p:spPr>
-      </p:pic>
-      <p:sp>
-        <p:nvSpPr>
-          <p:cNvPr id="21" name="Title 1"/>
-          <p:cNvSpPr txBox="1">
-            <a:spLocks/>
-          </p:cNvSpPr>
-          <p:nvPr/>
-        </p:nvSpPr>
-        <p:spPr>
-          <a:xfrm>
-            <a:off x="709053" y="1978140"/>
-            <a:ext cx="7802990" cy="429492"/>
-          </a:xfrm>
-          <a:prstGeom prst="rect">
-            <a:avLst/>
-          </a:prstGeom>
-        </p:spPr>
-        <p:txBody>
-          <a:bodyPr/>
-          <a:lstStyle>
-            <a:lvl1pPr algn="l" defTabSz="914400" rtl="0" eaLnBrk="1" latinLnBrk="0" hangingPunct="1">
-              <a:lnSpc>
-                <a:spcPct val="90000"/>
-              </a:lnSpc>
-              <a:spcBef>
-                <a:spcPct val="0"/>
-              </a:spcBef>
-              <a:buNone/>
-              <a:defRPr sz="3200" b="1" kern="1200">
-                <a:solidFill>
-                  <a:srgbClr val="019DD0"/>
-                </a:solidFill>
-                <a:latin typeface="Arial" panose="020B0604020202020204" pitchFamily="34" charset="0"/>
-                <a:ea typeface="+mj-ea"/>
-                <a:cs typeface="Arial" panose="020B0604020202020204" pitchFamily="34" charset="0"/>
-              </a:defRPr>
-            </a:lvl1pPr>
-          </a:lstStyle>
-          <a:p>
-            <a:pPr>
-              <a:lnSpc>
-                <a:spcPct val="100000"/>
-              </a:lnSpc>
-            </a:pPr>
-            <a:r>
-              <a:rPr lang="en-US" sz="2000" b="0" dirty="0" smtClean="0">
-                <a:solidFill>
-                  <a:schemeClr val="tx1">
-                    <a:lumMod val="95000"/>
-                    <a:lumOff val="5000"/>
-                  </a:schemeClr>
-                </a:solidFill>
-                <a:ea typeface="Roboto Condensed" pitchFamily="2" charset="0"/>
-              </a:rPr>
-              <a:t>Nâng cấp bài tập xe cấp cứu ở bài học trước, thêm phần di chuyển</a:t>
-            </a:r>
-            <a:endParaRPr lang="en-US" sz="2000" dirty="0" smtClean="0">
-              <a:solidFill>
-                <a:schemeClr val="tx1">
-                  <a:lumMod val="95000"/>
-                  <a:lumOff val="5000"/>
-                </a:schemeClr>
-              </a:solidFill>
-              <a:ea typeface="Roboto Condensed" pitchFamily="2" charset="0"/>
-            </a:endParaRPr>
-          </a:p>
-        </p:txBody>
-      </p:sp>
-      <p:sp>
-        <p:nvSpPr>
-          <p:cNvPr id="11" name="Rectangle 10"/>
+          <p:cNvPr id="31" name="Rectangle 30"/>
           <p:cNvSpPr/>
           <p:nvPr/>
         </p:nvSpPr>
         <p:spPr>
-          <a:xfrm>
-            <a:off x="4294682" y="2811400"/>
-            <a:ext cx="171494" cy="171494"/>
+          <a:xfrm flipV="1">
+            <a:off x="0" y="5976731"/>
+            <a:ext cx="9144000" cy="671718"/>
           </a:xfrm>
           <a:prstGeom prst="rect">
             <a:avLst/>
           </a:prstGeom>
           <a:solidFill>
-            <a:srgbClr val="64C7E9"/>
+            <a:srgbClr val="666666"/>
           </a:solidFill>
           <a:ln>
             <a:noFill/>
@@ -4718,9 +5800,9 @@
       </p:sp>
       <p:pic>
         <p:nvPicPr>
-          <p:cNvPr id="2050" name="Picture 2" descr="Vector an ambulance travels to call a sick patient. flat  illustration."/>
+          <p:cNvPr id="12" name="Picture 11"/>
           <p:cNvPicPr>
-            <a:picLocks noChangeAspect="1" noChangeArrowheads="1"/>
+            <a:picLocks noChangeAspect="1"/>
           </p:cNvPicPr>
           <p:nvPr/>
         </p:nvPicPr>
@@ -4732,550 +5814,114 @@
               </a:ext>
             </a:extLst>
           </a:blip>
-          <a:srcRect/>
           <a:stretch>
             <a:fillRect/>
           </a:stretch>
         </p:blipFill>
-        <p:spPr bwMode="auto">
-          <a:xfrm>
-            <a:off x="248815" y="2747434"/>
-            <a:ext cx="4045867" cy="3851977"/>
-          </a:xfrm>
-          <a:prstGeom prst="rect">
-            <a:avLst/>
-          </a:prstGeom>
-          <a:noFill/>
-          <a:extLst>
-            <a:ext uri="{909E8E84-426E-40DD-AFC4-6F175D3DCCD1}">
-              <a14:hiddenFill xmlns:a14="http://schemas.microsoft.com/office/drawing/2010/main">
-                <a:solidFill>
-                  <a:srgbClr val="FFFFFF"/>
-                </a:solidFill>
-              </a14:hiddenFill>
-            </a:ext>
-          </a:extLst>
+        <p:spPr>
+          <a:xfrm>
+            <a:off x="5595915" y="2138096"/>
+            <a:ext cx="3548085" cy="3394335"/>
+          </a:xfrm>
+          <a:prstGeom prst="rect">
+            <a:avLst/>
+          </a:prstGeom>
         </p:spPr>
       </p:pic>
-      <p:sp>
-        <p:nvSpPr>
-          <p:cNvPr id="12" name="Title 1"/>
-          <p:cNvSpPr txBox="1">
-            <a:spLocks/>
-          </p:cNvSpPr>
-          <p:nvPr/>
-        </p:nvSpPr>
-        <p:spPr>
-          <a:xfrm>
-            <a:off x="4532436" y="4142774"/>
-            <a:ext cx="3979607" cy="1864928"/>
-          </a:xfrm>
-          <a:prstGeom prst="rect">
-            <a:avLst/>
-          </a:prstGeom>
-        </p:spPr>
-        <p:txBody>
-          <a:bodyPr/>
-          <a:lstStyle>
-            <a:lvl1pPr algn="l" defTabSz="914400" rtl="0" eaLnBrk="1" latinLnBrk="0" hangingPunct="1">
-              <a:lnSpc>
-                <a:spcPct val="90000"/>
-              </a:lnSpc>
-              <a:spcBef>
-                <a:spcPct val="0"/>
-              </a:spcBef>
-              <a:buNone/>
-              <a:defRPr sz="3200" b="1" kern="1200">
-                <a:solidFill>
-                  <a:srgbClr val="019DD0"/>
-                </a:solidFill>
-                <a:latin typeface="Arial" panose="020B0604020202020204" pitchFamily="34" charset="0"/>
-                <a:ea typeface="+mj-ea"/>
-                <a:cs typeface="Arial" panose="020B0604020202020204" pitchFamily="34" charset="0"/>
-              </a:defRPr>
-            </a:lvl1pPr>
-          </a:lstStyle>
-          <a:p>
-            <a:pPr>
-              <a:lnSpc>
-                <a:spcPct val="100000"/>
-              </a:lnSpc>
-            </a:pPr>
-            <a:r>
-              <a:rPr lang="vi-VN" sz="2000" b="0" dirty="0">
-                <a:solidFill>
-                  <a:schemeClr val="tx1">
-                    <a:lumMod val="95000"/>
-                    <a:lumOff val="5000"/>
-                  </a:schemeClr>
-                </a:solidFill>
-                <a:ea typeface="Roboto Condensed" pitchFamily="2" charset="0"/>
-              </a:rPr>
-              <a:t>Để tăng sự thu hút của mọi người và nhường đường để xe chạy, </a:t>
-            </a:r>
-            <a:r>
-              <a:rPr lang="en-US" sz="2000" b="0" dirty="0" smtClean="0">
-                <a:solidFill>
-                  <a:schemeClr val="tx1">
-                    <a:lumMod val="95000"/>
-                    <a:lumOff val="5000"/>
-                  </a:schemeClr>
-                </a:solidFill>
-                <a:ea typeface="Roboto Condensed" pitchFamily="2" charset="0"/>
-              </a:rPr>
-              <a:t>bạn </a:t>
-            </a:r>
-            <a:r>
-              <a:rPr lang="vi-VN" sz="2000" b="0" dirty="0" smtClean="0">
-                <a:solidFill>
-                  <a:schemeClr val="tx1">
-                    <a:lumMod val="95000"/>
-                    <a:lumOff val="5000"/>
-                  </a:schemeClr>
-                </a:solidFill>
-                <a:ea typeface="Roboto Condensed" pitchFamily="2" charset="0"/>
-              </a:rPr>
-              <a:t>có </a:t>
-            </a:r>
-            <a:r>
-              <a:rPr lang="vi-VN" sz="2000" b="0" dirty="0">
-                <a:solidFill>
-                  <a:schemeClr val="tx1">
-                    <a:lumMod val="95000"/>
-                    <a:lumOff val="5000"/>
-                  </a:schemeClr>
-                </a:solidFill>
-                <a:ea typeface="Roboto Condensed" pitchFamily="2" charset="0"/>
-              </a:rPr>
-              <a:t>thể vừa cho </a:t>
-            </a:r>
-            <a:r>
-              <a:rPr lang="vi-VN" sz="2000" b="0" dirty="0" smtClean="0">
-                <a:solidFill>
-                  <a:schemeClr val="tx1">
-                    <a:lumMod val="95000"/>
-                    <a:lumOff val="5000"/>
-                  </a:schemeClr>
-                </a:solidFill>
-                <a:ea typeface="Roboto Condensed" pitchFamily="2" charset="0"/>
-              </a:rPr>
-              <a:t>đèn</a:t>
-            </a:r>
-            <a:r>
-              <a:rPr lang="en-US" sz="2000" b="0" dirty="0" smtClean="0">
-                <a:solidFill>
-                  <a:schemeClr val="tx1">
-                    <a:lumMod val="95000"/>
-                    <a:lumOff val="5000"/>
-                  </a:schemeClr>
-                </a:solidFill>
-                <a:ea typeface="Roboto Condensed" pitchFamily="2" charset="0"/>
-              </a:rPr>
-              <a:t> RGB LED</a:t>
-            </a:r>
-            <a:r>
-              <a:rPr lang="vi-VN" sz="2000" b="0" dirty="0" smtClean="0">
-                <a:solidFill>
-                  <a:schemeClr val="tx1">
-                    <a:lumMod val="95000"/>
-                    <a:lumOff val="5000"/>
-                  </a:schemeClr>
-                </a:solidFill>
-                <a:ea typeface="Roboto Condensed" pitchFamily="2" charset="0"/>
-              </a:rPr>
-              <a:t> </a:t>
-            </a:r>
-            <a:r>
-              <a:rPr lang="vi-VN" sz="2000" b="0" dirty="0">
-                <a:solidFill>
-                  <a:schemeClr val="tx1">
-                    <a:lumMod val="95000"/>
-                    <a:lumOff val="5000"/>
-                  </a:schemeClr>
-                </a:solidFill>
-                <a:ea typeface="Roboto Condensed" pitchFamily="2" charset="0"/>
-              </a:rPr>
-              <a:t>nhấp </a:t>
-            </a:r>
-            <a:r>
-              <a:rPr lang="vi-VN" sz="2000" b="0" dirty="0" smtClean="0">
-                <a:solidFill>
-                  <a:schemeClr val="tx1">
-                    <a:lumMod val="95000"/>
-                    <a:lumOff val="5000"/>
-                  </a:schemeClr>
-                </a:solidFill>
-                <a:ea typeface="Roboto Condensed" pitchFamily="2" charset="0"/>
-              </a:rPr>
-              <a:t>nháy</a:t>
-            </a:r>
-            <a:r>
-              <a:rPr lang="en-US" sz="2000" b="0" dirty="0" smtClean="0">
-                <a:solidFill>
-                  <a:schemeClr val="tx1">
-                    <a:lumMod val="95000"/>
-                    <a:lumOff val="5000"/>
-                  </a:schemeClr>
-                </a:solidFill>
-                <a:ea typeface="Roboto Condensed" pitchFamily="2" charset="0"/>
-              </a:rPr>
-              <a:t> liên tục</a:t>
-            </a:r>
-            <a:r>
-              <a:rPr lang="vi-VN" sz="2000" b="0" dirty="0" smtClean="0">
-                <a:solidFill>
-                  <a:schemeClr val="tx1">
-                    <a:lumMod val="95000"/>
-                    <a:lumOff val="5000"/>
-                  </a:schemeClr>
-                </a:solidFill>
-                <a:ea typeface="Roboto Condensed" pitchFamily="2" charset="0"/>
-              </a:rPr>
-              <a:t> </a:t>
-            </a:r>
-            <a:r>
-              <a:rPr lang="vi-VN" sz="2000" b="0" dirty="0">
-                <a:solidFill>
-                  <a:schemeClr val="tx1">
-                    <a:lumMod val="95000"/>
-                    <a:lumOff val="5000"/>
-                  </a:schemeClr>
-                </a:solidFill>
-                <a:ea typeface="Roboto Condensed" pitchFamily="2" charset="0"/>
-              </a:rPr>
-              <a:t>vừa phát ra tiếng còi báo </a:t>
-            </a:r>
-            <a:r>
-              <a:rPr lang="vi-VN" sz="2000" b="0" dirty="0" smtClean="0">
-                <a:solidFill>
-                  <a:schemeClr val="tx1">
-                    <a:lumMod val="95000"/>
-                    <a:lumOff val="5000"/>
-                  </a:schemeClr>
-                </a:solidFill>
-                <a:ea typeface="Roboto Condensed" pitchFamily="2" charset="0"/>
-              </a:rPr>
-              <a:t>động</a:t>
-            </a:r>
-            <a:r>
-              <a:rPr lang="en-US" sz="2000" b="0" dirty="0" smtClean="0">
-                <a:solidFill>
-                  <a:schemeClr val="tx1">
-                    <a:lumMod val="95000"/>
-                    <a:lumOff val="5000"/>
-                  </a:schemeClr>
-                </a:solidFill>
-                <a:ea typeface="Roboto Condensed" pitchFamily="2" charset="0"/>
-              </a:rPr>
-              <a:t> tò te to tè bằng </a:t>
-            </a:r>
-            <a:r>
-              <a:rPr lang="en-US" sz="2000" b="0" dirty="0" smtClean="0">
-                <a:solidFill>
-                  <a:schemeClr val="tx1">
-                    <a:lumMod val="95000"/>
-                    <a:lumOff val="5000"/>
-                  </a:schemeClr>
-                </a:solidFill>
-                <a:ea typeface="Roboto Condensed" pitchFamily="2" charset="0"/>
-              </a:rPr>
-              <a:t>block play melody</a:t>
-            </a:r>
-            <a:endParaRPr lang="en-US" sz="2000" dirty="0" smtClean="0">
-              <a:solidFill>
-                <a:schemeClr val="tx1">
-                  <a:lumMod val="95000"/>
-                  <a:lumOff val="5000"/>
-                </a:schemeClr>
-              </a:solidFill>
-              <a:ea typeface="Roboto Condensed" pitchFamily="2" charset="0"/>
-            </a:endParaRPr>
-          </a:p>
-        </p:txBody>
-      </p:sp>
-      <p:sp>
-        <p:nvSpPr>
-          <p:cNvPr id="13" name="Rectangle 12"/>
-          <p:cNvSpPr/>
-          <p:nvPr/>
-        </p:nvSpPr>
-        <p:spPr>
-          <a:xfrm>
-            <a:off x="4294682" y="4286231"/>
-            <a:ext cx="171494" cy="171494"/>
-          </a:xfrm>
-          <a:prstGeom prst="rect">
-            <a:avLst/>
-          </a:prstGeom>
-          <a:solidFill>
-            <a:srgbClr val="64C7E9"/>
-          </a:solidFill>
-          <a:ln>
-            <a:noFill/>
-          </a:ln>
-        </p:spPr>
-        <p:style>
-          <a:lnRef idx="2">
-            <a:schemeClr val="accent1">
-              <a:shade val="50000"/>
-            </a:schemeClr>
-          </a:lnRef>
-          <a:fillRef idx="1">
-            <a:schemeClr val="accent1"/>
-          </a:fillRef>
-          <a:effectRef idx="0">
-            <a:schemeClr val="accent1"/>
-          </a:effectRef>
-          <a:fontRef idx="minor">
-            <a:schemeClr val="lt1"/>
-          </a:fontRef>
-        </p:style>
-        <p:txBody>
-          <a:bodyPr rtlCol="0" anchor="ctr"/>
-          <a:lstStyle/>
-          <a:p>
-            <a:pPr algn="ctr"/>
-            <a:endParaRPr lang="en-US"/>
-          </a:p>
-        </p:txBody>
-      </p:sp>
-      <p:sp>
-        <p:nvSpPr>
-          <p:cNvPr id="15" name="Title 1"/>
-          <p:cNvSpPr txBox="1">
-            <a:spLocks/>
-          </p:cNvSpPr>
-          <p:nvPr/>
-        </p:nvSpPr>
-        <p:spPr>
-          <a:xfrm>
-            <a:off x="4532436" y="2685384"/>
-            <a:ext cx="3979607" cy="816644"/>
-          </a:xfrm>
-          <a:prstGeom prst="rect">
-            <a:avLst/>
-          </a:prstGeom>
-        </p:spPr>
-        <p:txBody>
-          <a:bodyPr/>
-          <a:lstStyle>
-            <a:lvl1pPr algn="l" defTabSz="914400" rtl="0" eaLnBrk="1" latinLnBrk="0" hangingPunct="1">
-              <a:lnSpc>
-                <a:spcPct val="90000"/>
-              </a:lnSpc>
-              <a:spcBef>
-                <a:spcPct val="0"/>
-              </a:spcBef>
-              <a:buNone/>
-              <a:defRPr sz="3200" b="1" kern="1200">
-                <a:solidFill>
-                  <a:srgbClr val="019DD0"/>
-                </a:solidFill>
-                <a:latin typeface="Arial" panose="020B0604020202020204" pitchFamily="34" charset="0"/>
-                <a:ea typeface="+mj-ea"/>
-                <a:cs typeface="Arial" panose="020B0604020202020204" pitchFamily="34" charset="0"/>
-              </a:defRPr>
-            </a:lvl1pPr>
-          </a:lstStyle>
-          <a:p>
-            <a:pPr>
-              <a:lnSpc>
-                <a:spcPct val="100000"/>
-              </a:lnSpc>
-            </a:pPr>
-            <a:r>
-              <a:rPr lang="vi-VN" sz="2000" b="0" dirty="0">
-                <a:solidFill>
-                  <a:schemeClr val="tx1">
-                    <a:lumMod val="95000"/>
-                    <a:lumOff val="5000"/>
-                  </a:schemeClr>
-                </a:solidFill>
-                <a:ea typeface="Roboto Condensed" pitchFamily="2" charset="0"/>
-              </a:rPr>
-              <a:t>Khởi động lên thì cho Servo xoay đầu phía trước, tức servo 90 độ. Màn hình LED hiển thị mặt cười. Bật âm thanh power up</a:t>
-            </a:r>
-            <a:endParaRPr lang="en-US" sz="2000" dirty="0" smtClean="0">
-              <a:solidFill>
-                <a:schemeClr val="tx1">
-                  <a:lumMod val="95000"/>
-                  <a:lumOff val="5000"/>
-                </a:schemeClr>
-              </a:solidFill>
-              <a:ea typeface="Roboto Condensed" pitchFamily="2" charset="0"/>
-            </a:endParaRPr>
-          </a:p>
-        </p:txBody>
-      </p:sp>
-      <p:sp>
-        <p:nvSpPr>
-          <p:cNvPr id="7" name="Rectangle 1"/>
-          <p:cNvSpPr>
-            <a:spLocks noChangeArrowheads="1"/>
-          </p:cNvSpPr>
-          <p:nvPr/>
-        </p:nvSpPr>
-        <p:spPr bwMode="auto">
-          <a:xfrm>
-            <a:off x="0" y="0"/>
-            <a:ext cx="9144000" cy="0"/>
-          </a:xfrm>
-          <a:prstGeom prst="rect">
-            <a:avLst/>
-          </a:prstGeom>
-          <a:solidFill>
-            <a:srgbClr val="0D1117"/>
-          </a:solidFill>
-          <a:ln>
-            <a:noFill/>
-          </a:ln>
-          <a:effectLst/>
-          <a:extLst>
-            <a:ext uri="{91240B29-F687-4F45-9708-019B960494DF}">
-              <a14:hiddenLine xmlns:a14="http://schemas.microsoft.com/office/drawing/2010/main" w="9525">
-                <a:solidFill>
-                  <a:schemeClr val="tx1"/>
-                </a:solidFill>
-                <a:miter lim="800000"/>
-                <a:headEnd/>
-                <a:tailEnd/>
-              </a14:hiddenLine>
-            </a:ext>
-            <a:ext uri="{AF507438-7753-43E0-B8FC-AC1667EBCBE1}">
-              <a14:hiddenEffects xmlns:a14="http://schemas.microsoft.com/office/drawing/2010/main">
-                <a:effectLst>
-                  <a:outerShdw dist="35921" dir="2700000" algn="ctr" rotWithShape="0">
-                    <a:schemeClr val="bg2"/>
-                  </a:outerShdw>
-                </a:effectLst>
-              </a14:hiddenEffects>
-            </a:ext>
-          </a:extLst>
-        </p:spPr>
-        <p:txBody>
-          <a:bodyPr vert="horz" wrap="none" lIns="0" tIns="0" rIns="0" bIns="0" numCol="1" anchor="ctr" anchorCtr="0" compatLnSpc="1">
-            <a:prstTxWarp prst="textNoShape">
-              <a:avLst/>
-            </a:prstTxWarp>
-            <a:spAutoFit/>
-          </a:bodyPr>
-          <a:lstStyle/>
-          <a:p>
-            <a:pPr marL="0" marR="0" lvl="0" indent="0" algn="l" defTabSz="914400" rtl="0" eaLnBrk="0" fontAlgn="base" latinLnBrk="0" hangingPunct="0">
-              <a:lnSpc>
-                <a:spcPct val="100000"/>
-              </a:lnSpc>
-              <a:spcBef>
-                <a:spcPct val="0"/>
-              </a:spcBef>
-              <a:spcAft>
-                <a:spcPct val="0"/>
-              </a:spcAft>
-              <a:buClrTx/>
-              <a:buSzTx/>
-              <a:buFontTx/>
-              <a:buNone/>
-              <a:tabLst/>
-            </a:pPr>
-            <a:endParaRPr kumimoji="0" lang="en-US" altLang="en-US" sz="1800" b="0" i="0" u="none" strike="noStrike" cap="none" normalizeH="0" baseline="0" smtClean="0">
-              <a:ln>
-                <a:noFill/>
-              </a:ln>
-              <a:solidFill>
-                <a:schemeClr val="tx1"/>
-              </a:solidFill>
-              <a:effectLst/>
-              <a:latin typeface="Arial" panose="020B0604020202020204" pitchFamily="34" charset="0"/>
-            </a:endParaRPr>
-          </a:p>
-          <a:p>
-            <a:pPr marL="0" marR="0" lvl="0" indent="0" algn="l" defTabSz="914400" rtl="0" eaLnBrk="0" fontAlgn="base" latinLnBrk="0" hangingPunct="0">
-              <a:lnSpc>
-                <a:spcPct val="100000"/>
-              </a:lnSpc>
-              <a:spcBef>
-                <a:spcPct val="0"/>
-              </a:spcBef>
-              <a:spcAft>
-                <a:spcPct val="0"/>
-              </a:spcAft>
-              <a:buClrTx/>
-              <a:buSzTx/>
-              <a:buFontTx/>
-              <a:buChar char="•"/>
-              <a:tabLst/>
-            </a:pPr>
-            <a:r>
-              <a:rPr kumimoji="0" lang="en-US" altLang="en-US" sz="1200" b="0" i="0" u="none" strike="noStrike" cap="none" normalizeH="0" baseline="0" smtClean="0">
-                <a:ln>
-                  <a:noFill/>
-                </a:ln>
-                <a:solidFill>
-                  <a:srgbClr val="E6EDF3"/>
-                </a:solidFill>
-                <a:effectLst/>
-                <a:latin typeface="-apple-system"/>
-              </a:rPr>
-              <a:t>Khởi động lên thì cho Servo xoay đầu phía trước, tức servo 90 độ. Màn hình LED hiển thị mặt cười. Bật âm thanh </a:t>
-            </a:r>
-            <a:r>
-              <a:rPr kumimoji="0" lang="en-US" altLang="en-US" sz="900" b="0" i="0" u="none" strike="noStrike" cap="none" normalizeH="0" baseline="0" smtClean="0">
-                <a:ln>
-                  <a:noFill/>
-                </a:ln>
-                <a:solidFill>
-                  <a:srgbClr val="E6EDF3"/>
-                </a:solidFill>
-                <a:effectLst/>
-                <a:latin typeface="ui-monospace"/>
-              </a:rPr>
-              <a:t>power up</a:t>
-            </a:r>
-            <a:endParaRPr kumimoji="0" lang="en-US" altLang="en-US" sz="1200" b="0" i="0" u="none" strike="noStrike" cap="none" normalizeH="0" baseline="0" smtClean="0">
-              <a:ln>
-                <a:noFill/>
-              </a:ln>
-              <a:solidFill>
-                <a:srgbClr val="E6EDF3"/>
-              </a:solidFill>
-              <a:effectLst/>
-              <a:latin typeface="-apple-system"/>
-            </a:endParaRPr>
-          </a:p>
-          <a:p>
-            <a:pPr marL="0" marR="0" lvl="0" indent="0" algn="l" defTabSz="914400" rtl="0" eaLnBrk="0" fontAlgn="base" latinLnBrk="0" hangingPunct="0">
-              <a:lnSpc>
-                <a:spcPct val="100000"/>
-              </a:lnSpc>
-              <a:spcBef>
-                <a:spcPct val="0"/>
-              </a:spcBef>
-              <a:spcAft>
-                <a:spcPct val="0"/>
-              </a:spcAft>
-              <a:buClrTx/>
-              <a:buSzTx/>
-              <a:buFontTx/>
-              <a:buNone/>
-              <a:tabLst/>
-            </a:pPr>
-            <a:endParaRPr kumimoji="0" lang="en-US" altLang="en-US" sz="1800" b="0" i="0" u="none" strike="noStrike" cap="none" normalizeH="0" baseline="0" smtClean="0">
-              <a:ln>
-                <a:noFill/>
-              </a:ln>
-              <a:solidFill>
-                <a:schemeClr val="tx1"/>
-              </a:solidFill>
-              <a:effectLst/>
-              <a:latin typeface="Arial" panose="020B0604020202020204" pitchFamily="34" charset="0"/>
-            </a:endParaRPr>
-          </a:p>
-        </p:txBody>
-      </p:sp>
+      <p:pic>
+        <p:nvPicPr>
+          <p:cNvPr id="13" name="Picture 12"/>
+          <p:cNvPicPr>
+            <a:picLocks noChangeAspect="1"/>
+          </p:cNvPicPr>
+          <p:nvPr/>
+        </p:nvPicPr>
+        <p:blipFill>
+          <a:blip r:embed="rId4">
+            <a:extLst>
+              <a:ext uri="{28A0092B-C50C-407E-A947-70E740481C1C}">
+                <a14:useLocalDpi xmlns:a14="http://schemas.microsoft.com/office/drawing/2010/main" val="0"/>
+              </a:ext>
+            </a:extLst>
+          </a:blip>
+          <a:stretch>
+            <a:fillRect/>
+          </a:stretch>
+        </p:blipFill>
+        <p:spPr>
+          <a:xfrm>
+            <a:off x="74463" y="3347654"/>
+            <a:ext cx="1615200" cy="2368960"/>
+          </a:xfrm>
+          <a:prstGeom prst="rect">
+            <a:avLst/>
+          </a:prstGeom>
+        </p:spPr>
+      </p:pic>
+      <p:pic>
+        <p:nvPicPr>
+          <p:cNvPr id="9" name="Picture 8"/>
+          <p:cNvPicPr>
+            <a:picLocks noChangeAspect="1"/>
+          </p:cNvPicPr>
+          <p:nvPr/>
+        </p:nvPicPr>
+        <p:blipFill>
+          <a:blip r:embed="rId5">
+            <a:extLst>
+              <a:ext uri="{28A0092B-C50C-407E-A947-70E740481C1C}">
+                <a14:useLocalDpi xmlns:a14="http://schemas.microsoft.com/office/drawing/2010/main" val="0"/>
+              </a:ext>
+            </a:extLst>
+          </a:blip>
+          <a:stretch>
+            <a:fillRect/>
+          </a:stretch>
+        </p:blipFill>
+        <p:spPr>
+          <a:xfrm>
+            <a:off x="5237922" y="4568011"/>
+            <a:ext cx="3336235" cy="1993400"/>
+          </a:xfrm>
+          <a:prstGeom prst="rect">
+            <a:avLst/>
+          </a:prstGeom>
+        </p:spPr>
+      </p:pic>
+      <p:pic>
+        <p:nvPicPr>
+          <p:cNvPr id="10" name="Picture 9"/>
+          <p:cNvPicPr>
+            <a:picLocks noChangeAspect="1"/>
+          </p:cNvPicPr>
+          <p:nvPr/>
+        </p:nvPicPr>
+        <p:blipFill>
+          <a:blip r:embed="rId6">
+            <a:extLst>
+              <a:ext uri="{28A0092B-C50C-407E-A947-70E740481C1C}">
+                <a14:useLocalDpi xmlns:a14="http://schemas.microsoft.com/office/drawing/2010/main" val="0"/>
+              </a:ext>
+            </a:extLst>
+          </a:blip>
+          <a:stretch>
+            <a:fillRect/>
+          </a:stretch>
+        </p:blipFill>
+        <p:spPr>
+          <a:xfrm>
+            <a:off x="-1554" y="3220278"/>
+            <a:ext cx="4613310" cy="2756453"/>
+          </a:xfrm>
+          <a:prstGeom prst="rect">
+            <a:avLst/>
+          </a:prstGeom>
+        </p:spPr>
+      </p:pic>
     </p:spTree>
     <p:extLst>
       <p:ext uri="{BB962C8B-B14F-4D97-AF65-F5344CB8AC3E}">
-        <p14:creationId xmlns:p14="http://schemas.microsoft.com/office/powerpoint/2010/main" val="785694606"/>
+        <p14:creationId xmlns:p14="http://schemas.microsoft.com/office/powerpoint/2010/main" val="2524373397"/>
       </p:ext>
     </p:extLst>
   </p:cSld>
@@ -5328,69 +5974,14 @@
       </p:sp>
       <p:sp>
         <p:nvSpPr>
-          <p:cNvPr id="3" name="Rectangle 2"/>
-          <p:cNvSpPr/>
-          <p:nvPr/>
-        </p:nvSpPr>
-        <p:spPr>
-          <a:xfrm>
-            <a:off x="301925" y="1051379"/>
-            <a:ext cx="8454964" cy="27432"/>
-          </a:xfrm>
-          <a:prstGeom prst="rect">
-            <a:avLst/>
-          </a:prstGeom>
-          <a:gradFill flip="none" rotWithShape="1">
-            <a:gsLst>
-              <a:gs pos="15000">
-                <a:srgbClr val="67C7DF"/>
-              </a:gs>
-              <a:gs pos="100000">
-                <a:srgbClr val="5EB130"/>
-              </a:gs>
-            </a:gsLst>
-            <a:lin ang="0" scaled="1"/>
-            <a:tileRect/>
-          </a:gradFill>
-          <a:ln>
-            <a:noFill/>
-          </a:ln>
-        </p:spPr>
-        <p:style>
-          <a:lnRef idx="2">
-            <a:schemeClr val="accent1">
-              <a:shade val="50000"/>
-            </a:schemeClr>
-          </a:lnRef>
-          <a:fillRef idx="1">
-            <a:schemeClr val="accent1"/>
-          </a:fillRef>
-          <a:effectRef idx="0">
-            <a:schemeClr val="accent1"/>
-          </a:effectRef>
-          <a:fontRef idx="minor">
-            <a:schemeClr val="lt1"/>
-          </a:fontRef>
-        </p:style>
-        <p:txBody>
-          <a:bodyPr rtlCol="0" anchor="ctr"/>
-          <a:lstStyle/>
-          <a:p>
-            <a:pPr algn="ctr"/>
-            <a:endParaRPr lang="en-US"/>
-          </a:p>
-        </p:txBody>
-      </p:sp>
-      <p:sp>
-        <p:nvSpPr>
-          <p:cNvPr id="4" name="TextBox 3"/>
+          <p:cNvPr id="3" name="TextBox 2"/>
           <p:cNvSpPr txBox="1"/>
           <p:nvPr/>
         </p:nvSpPr>
         <p:spPr>
           <a:xfrm>
-            <a:off x="248815" y="546584"/>
-            <a:ext cx="7374995" cy="461665"/>
+            <a:off x="1098980" y="1272143"/>
+            <a:ext cx="6401750" cy="461665"/>
           </a:xfrm>
           <a:prstGeom prst="rect">
             <a:avLst/>
@@ -5405,48 +5996,6 @@
           <a:p>
             <a:r>
               <a:rPr lang="en-US" sz="2400" b="1" dirty="0" smtClean="0">
-                <a:solidFill>
-                  <a:srgbClr val="64C7E9"/>
-                </a:solidFill>
-                <a:latin typeface="UTM Helve" panose="02040603050506020204" pitchFamily="18" charset="0"/>
-                <a:ea typeface="Roboto" pitchFamily="2" charset="0"/>
-              </a:rPr>
-              <a:t>12.4 Hoạt động học viên</a:t>
-            </a:r>
-            <a:endParaRPr lang="en-US" sz="2400" b="1" dirty="0">
-              <a:solidFill>
-                <a:srgbClr val="64C7E9"/>
-              </a:solidFill>
-              <a:latin typeface="UTM Helve" panose="02040603050506020204" pitchFamily="18" charset="0"/>
-              <a:ea typeface="Roboto" pitchFamily="2" charset="0"/>
-            </a:endParaRPr>
-          </a:p>
-        </p:txBody>
-      </p:sp>
-      <p:sp>
-        <p:nvSpPr>
-          <p:cNvPr id="5" name="TextBox 4"/>
-          <p:cNvSpPr txBox="1"/>
-          <p:nvPr/>
-        </p:nvSpPr>
-        <p:spPr>
-          <a:xfrm>
-            <a:off x="1265306" y="1364739"/>
-            <a:ext cx="5877616" cy="461665"/>
-          </a:xfrm>
-          <a:prstGeom prst="rect">
-            <a:avLst/>
-          </a:prstGeom>
-          <a:noFill/>
-        </p:spPr>
-        <p:txBody>
-          <a:bodyPr wrap="square" rtlCol="0">
-            <a:spAutoFit/>
-          </a:bodyPr>
-          <a:lstStyle/>
-          <a:p>
-            <a:r>
-              <a:rPr lang="vi-VN" sz="2400" b="1" dirty="0">
                 <a:solidFill>
                   <a:schemeClr val="tx1">
                     <a:lumMod val="85000"/>
@@ -5456,1478 +6005,7 @@
                 <a:latin typeface="UTM Helve" panose="02040603050506020204" pitchFamily="18" charset="0"/>
                 <a:ea typeface="Roboto" pitchFamily="2" charset="0"/>
               </a:rPr>
-              <a:t>Xe </a:t>
-            </a:r>
-            <a:r>
-              <a:rPr lang="en-US" sz="2400" b="1" dirty="0" smtClean="0">
-                <a:solidFill>
-                  <a:schemeClr val="tx1">
-                    <a:lumMod val="85000"/>
-                    <a:lumOff val="15000"/>
-                  </a:schemeClr>
-                </a:solidFill>
-                <a:latin typeface="UTM Helve" panose="02040603050506020204" pitchFamily="18" charset="0"/>
-                <a:ea typeface="Roboto" pitchFamily="2" charset="0"/>
-              </a:rPr>
-              <a:t>cấp cứu </a:t>
-            </a:r>
-            <a:r>
-              <a:rPr lang="en-US" sz="2400" b="1" dirty="0" smtClean="0">
-                <a:solidFill>
-                  <a:schemeClr val="tx1">
-                    <a:lumMod val="85000"/>
-                    <a:lumOff val="15000"/>
-                  </a:schemeClr>
-                </a:solidFill>
-                <a:latin typeface="UTM Helve" panose="02040603050506020204" pitchFamily="18" charset="0"/>
-                <a:ea typeface="Roboto" pitchFamily="2" charset="0"/>
-              </a:rPr>
-              <a:t>zoom:bit phiên bản mới</a:t>
-            </a:r>
-            <a:endParaRPr lang="en-US" sz="2400" b="1" dirty="0">
-              <a:solidFill>
-                <a:schemeClr val="tx1">
-                  <a:lumMod val="85000"/>
-                  <a:lumOff val="15000"/>
-                </a:schemeClr>
-              </a:solidFill>
-              <a:latin typeface="UTM Helve" panose="02040603050506020204" pitchFamily="18" charset="0"/>
-              <a:ea typeface="Roboto" pitchFamily="2" charset="0"/>
-            </a:endParaRPr>
-          </a:p>
-        </p:txBody>
-      </p:sp>
-      <p:pic>
-        <p:nvPicPr>
-          <p:cNvPr id="6" name="Picture 5"/>
-          <p:cNvPicPr>
-            <a:picLocks noChangeAspect="1"/>
-          </p:cNvPicPr>
-          <p:nvPr/>
-        </p:nvPicPr>
-        <p:blipFill>
-          <a:blip r:embed="rId2">
-            <a:extLst>
-              <a:ext uri="{28A0092B-C50C-407E-A947-70E740481C1C}">
-                <a14:useLocalDpi xmlns:a14="http://schemas.microsoft.com/office/drawing/2010/main" val="0"/>
-              </a:ext>
-            </a:extLst>
-          </a:blip>
-          <a:stretch>
-            <a:fillRect/>
-          </a:stretch>
-        </p:blipFill>
-        <p:spPr>
-          <a:xfrm>
-            <a:off x="709053" y="1437696"/>
-            <a:ext cx="466725" cy="409575"/>
-          </a:xfrm>
-          <a:prstGeom prst="rect">
-            <a:avLst/>
-          </a:prstGeom>
-        </p:spPr>
-      </p:pic>
-      <p:sp>
-        <p:nvSpPr>
-          <p:cNvPr id="11" name="Rectangle 10"/>
-          <p:cNvSpPr/>
-          <p:nvPr/>
-        </p:nvSpPr>
-        <p:spPr>
-          <a:xfrm>
-            <a:off x="822612" y="2130189"/>
-            <a:ext cx="171494" cy="171494"/>
-          </a:xfrm>
-          <a:prstGeom prst="rect">
-            <a:avLst/>
-          </a:prstGeom>
-          <a:solidFill>
-            <a:srgbClr val="64C7E9"/>
-          </a:solidFill>
-          <a:ln>
-            <a:noFill/>
-          </a:ln>
-        </p:spPr>
-        <p:style>
-          <a:lnRef idx="2">
-            <a:schemeClr val="accent1">
-              <a:shade val="50000"/>
-            </a:schemeClr>
-          </a:lnRef>
-          <a:fillRef idx="1">
-            <a:schemeClr val="accent1"/>
-          </a:fillRef>
-          <a:effectRef idx="0">
-            <a:schemeClr val="accent1"/>
-          </a:effectRef>
-          <a:fontRef idx="minor">
-            <a:schemeClr val="lt1"/>
-          </a:fontRef>
-        </p:style>
-        <p:txBody>
-          <a:bodyPr rtlCol="0" anchor="ctr"/>
-          <a:lstStyle/>
-          <a:p>
-            <a:pPr algn="ctr"/>
-            <a:endParaRPr lang="en-US"/>
-          </a:p>
-        </p:txBody>
-      </p:sp>
-      <p:sp>
-        <p:nvSpPr>
-          <p:cNvPr id="12" name="Title 1"/>
-          <p:cNvSpPr txBox="1">
-            <a:spLocks/>
-          </p:cNvSpPr>
-          <p:nvPr/>
-        </p:nvSpPr>
-        <p:spPr>
-          <a:xfrm>
-            <a:off x="1060366" y="3106487"/>
-            <a:ext cx="3979607" cy="1038721"/>
-          </a:xfrm>
-          <a:prstGeom prst="rect">
-            <a:avLst/>
-          </a:prstGeom>
-        </p:spPr>
-        <p:txBody>
-          <a:bodyPr/>
-          <a:lstStyle>
-            <a:lvl1pPr algn="l" defTabSz="914400" rtl="0" eaLnBrk="1" latinLnBrk="0" hangingPunct="1">
-              <a:lnSpc>
-                <a:spcPct val="90000"/>
-              </a:lnSpc>
-              <a:spcBef>
-                <a:spcPct val="0"/>
-              </a:spcBef>
-              <a:buNone/>
-              <a:defRPr sz="3200" b="1" kern="1200">
-                <a:solidFill>
-                  <a:srgbClr val="019DD0"/>
-                </a:solidFill>
-                <a:latin typeface="Arial" panose="020B0604020202020204" pitchFamily="34" charset="0"/>
-                <a:ea typeface="+mj-ea"/>
-                <a:cs typeface="Arial" panose="020B0604020202020204" pitchFamily="34" charset="0"/>
-              </a:defRPr>
-            </a:lvl1pPr>
-          </a:lstStyle>
-          <a:p>
-            <a:pPr>
-              <a:lnSpc>
-                <a:spcPct val="100000"/>
-              </a:lnSpc>
-            </a:pPr>
-            <a:r>
-              <a:rPr lang="vi-VN" sz="2000" b="0" dirty="0">
-                <a:solidFill>
-                  <a:schemeClr val="tx1">
-                    <a:lumMod val="95000"/>
-                    <a:lumOff val="5000"/>
-                  </a:schemeClr>
-                </a:solidFill>
-                <a:ea typeface="Roboto Condensed" pitchFamily="2" charset="0"/>
-              </a:rPr>
-              <a:t>Nhấn Button B, rẻ </a:t>
-            </a:r>
-            <a:r>
-              <a:rPr lang="en-US" sz="2000" b="0" dirty="0" smtClean="0">
-                <a:solidFill>
-                  <a:schemeClr val="tx1">
-                    <a:lumMod val="95000"/>
-                    <a:lumOff val="5000"/>
-                  </a:schemeClr>
-                </a:solidFill>
-                <a:ea typeface="Roboto Condensed" pitchFamily="2" charset="0"/>
-              </a:rPr>
-              <a:t>trái</a:t>
-            </a:r>
-            <a:r>
-              <a:rPr lang="vi-VN" sz="2000" b="0" dirty="0" smtClean="0">
-                <a:solidFill>
-                  <a:schemeClr val="tx1">
-                    <a:lumMod val="95000"/>
-                    <a:lumOff val="5000"/>
-                  </a:schemeClr>
-                </a:solidFill>
-                <a:ea typeface="Roboto Condensed" pitchFamily="2" charset="0"/>
-              </a:rPr>
-              <a:t> </a:t>
-            </a:r>
-            <a:r>
-              <a:rPr lang="vi-VN" sz="2000" b="0" dirty="0">
-                <a:solidFill>
-                  <a:schemeClr val="tx1">
-                    <a:lumMod val="95000"/>
-                    <a:lumOff val="5000"/>
-                  </a:schemeClr>
-                </a:solidFill>
-                <a:ea typeface="Roboto Condensed" pitchFamily="2" charset="0"/>
-              </a:rPr>
-              <a:t>và Servo xoay phải 45 độ, màn hình LED hiển thị mũi trên hướng phải</a:t>
-            </a:r>
-            <a:endParaRPr lang="en-US" sz="2000" dirty="0" smtClean="0">
-              <a:solidFill>
-                <a:schemeClr val="tx1">
-                  <a:lumMod val="95000"/>
-                  <a:lumOff val="5000"/>
-                </a:schemeClr>
-              </a:solidFill>
-              <a:ea typeface="Roboto Condensed" pitchFamily="2" charset="0"/>
-            </a:endParaRPr>
-          </a:p>
-        </p:txBody>
-      </p:sp>
-      <p:sp>
-        <p:nvSpPr>
-          <p:cNvPr id="13" name="Rectangle 12"/>
-          <p:cNvSpPr/>
-          <p:nvPr/>
-        </p:nvSpPr>
-        <p:spPr>
-          <a:xfrm>
-            <a:off x="822612" y="3249944"/>
-            <a:ext cx="171494" cy="171494"/>
-          </a:xfrm>
-          <a:prstGeom prst="rect">
-            <a:avLst/>
-          </a:prstGeom>
-          <a:solidFill>
-            <a:srgbClr val="64C7E9"/>
-          </a:solidFill>
-          <a:ln>
-            <a:noFill/>
-          </a:ln>
-        </p:spPr>
-        <p:style>
-          <a:lnRef idx="2">
-            <a:schemeClr val="accent1">
-              <a:shade val="50000"/>
-            </a:schemeClr>
-          </a:lnRef>
-          <a:fillRef idx="1">
-            <a:schemeClr val="accent1"/>
-          </a:fillRef>
-          <a:effectRef idx="0">
-            <a:schemeClr val="accent1"/>
-          </a:effectRef>
-          <a:fontRef idx="minor">
-            <a:schemeClr val="lt1"/>
-          </a:fontRef>
-        </p:style>
-        <p:txBody>
-          <a:bodyPr rtlCol="0" anchor="ctr"/>
-          <a:lstStyle/>
-          <a:p>
-            <a:pPr algn="ctr"/>
-            <a:endParaRPr lang="en-US"/>
-          </a:p>
-        </p:txBody>
-      </p:sp>
-      <p:sp>
-        <p:nvSpPr>
-          <p:cNvPr id="15" name="Title 1"/>
-          <p:cNvSpPr txBox="1">
-            <a:spLocks/>
-          </p:cNvSpPr>
-          <p:nvPr/>
-        </p:nvSpPr>
-        <p:spPr>
-          <a:xfrm>
-            <a:off x="1060366" y="2004172"/>
-            <a:ext cx="3979607" cy="1059791"/>
-          </a:xfrm>
-          <a:prstGeom prst="rect">
-            <a:avLst/>
-          </a:prstGeom>
-        </p:spPr>
-        <p:txBody>
-          <a:bodyPr/>
-          <a:lstStyle>
-            <a:lvl1pPr algn="l" defTabSz="914400" rtl="0" eaLnBrk="1" latinLnBrk="0" hangingPunct="1">
-              <a:lnSpc>
-                <a:spcPct val="90000"/>
-              </a:lnSpc>
-              <a:spcBef>
-                <a:spcPct val="0"/>
-              </a:spcBef>
-              <a:buNone/>
-              <a:defRPr sz="3200" b="1" kern="1200">
-                <a:solidFill>
-                  <a:srgbClr val="019DD0"/>
-                </a:solidFill>
-                <a:latin typeface="Arial" panose="020B0604020202020204" pitchFamily="34" charset="0"/>
-                <a:ea typeface="+mj-ea"/>
-                <a:cs typeface="Arial" panose="020B0604020202020204" pitchFamily="34" charset="0"/>
-              </a:defRPr>
-            </a:lvl1pPr>
-          </a:lstStyle>
-          <a:p>
-            <a:pPr>
-              <a:lnSpc>
-                <a:spcPct val="100000"/>
-              </a:lnSpc>
-            </a:pPr>
-            <a:r>
-              <a:rPr lang="vi-VN" sz="2000" b="0" dirty="0">
-                <a:solidFill>
-                  <a:schemeClr val="tx1">
-                    <a:lumMod val="95000"/>
-                    <a:lumOff val="5000"/>
-                  </a:schemeClr>
-                </a:solidFill>
-                <a:ea typeface="Roboto Condensed" pitchFamily="2" charset="0"/>
-              </a:rPr>
-              <a:t>Nhấn button A, rẻ </a:t>
-            </a:r>
-            <a:r>
-              <a:rPr lang="en-US" sz="2000" b="0" dirty="0" smtClean="0">
-                <a:solidFill>
-                  <a:schemeClr val="tx1">
-                    <a:lumMod val="95000"/>
-                    <a:lumOff val="5000"/>
-                  </a:schemeClr>
-                </a:solidFill>
-                <a:ea typeface="Roboto Condensed" pitchFamily="2" charset="0"/>
-              </a:rPr>
-              <a:t>phải</a:t>
-            </a:r>
-            <a:r>
-              <a:rPr lang="vi-VN" sz="2000" b="0" dirty="0" smtClean="0">
-                <a:solidFill>
-                  <a:schemeClr val="tx1">
-                    <a:lumMod val="95000"/>
-                    <a:lumOff val="5000"/>
-                  </a:schemeClr>
-                </a:solidFill>
-                <a:ea typeface="Roboto Condensed" pitchFamily="2" charset="0"/>
-              </a:rPr>
-              <a:t> </a:t>
-            </a:r>
-            <a:r>
-              <a:rPr lang="vi-VN" sz="2000" b="0" dirty="0">
-                <a:solidFill>
-                  <a:schemeClr val="tx1">
-                    <a:lumMod val="95000"/>
-                    <a:lumOff val="5000"/>
-                  </a:schemeClr>
-                </a:solidFill>
-                <a:ea typeface="Roboto Condensed" pitchFamily="2" charset="0"/>
-              </a:rPr>
-              <a:t>và Servo xoay trái 45 độ, màn hình LED hiển thị mũi trên hướng trái</a:t>
-            </a:r>
-            <a:endParaRPr lang="en-US" sz="2000" dirty="0" smtClean="0">
-              <a:solidFill>
-                <a:schemeClr val="tx1">
-                  <a:lumMod val="95000"/>
-                  <a:lumOff val="5000"/>
-                </a:schemeClr>
-              </a:solidFill>
-              <a:ea typeface="Roboto Condensed" pitchFamily="2" charset="0"/>
-            </a:endParaRPr>
-          </a:p>
-        </p:txBody>
-      </p:sp>
-      <p:sp>
-        <p:nvSpPr>
-          <p:cNvPr id="7" name="Rectangle 1"/>
-          <p:cNvSpPr>
-            <a:spLocks noChangeArrowheads="1"/>
-          </p:cNvSpPr>
-          <p:nvPr/>
-        </p:nvSpPr>
-        <p:spPr bwMode="auto">
-          <a:xfrm>
-            <a:off x="0" y="0"/>
-            <a:ext cx="9144000" cy="0"/>
-          </a:xfrm>
-          <a:prstGeom prst="rect">
-            <a:avLst/>
-          </a:prstGeom>
-          <a:solidFill>
-            <a:srgbClr val="0D1117"/>
-          </a:solidFill>
-          <a:ln>
-            <a:noFill/>
-          </a:ln>
-          <a:effectLst/>
-          <a:extLst>
-            <a:ext uri="{91240B29-F687-4F45-9708-019B960494DF}">
-              <a14:hiddenLine xmlns:a14="http://schemas.microsoft.com/office/drawing/2010/main" w="9525">
-                <a:solidFill>
-                  <a:schemeClr val="tx1"/>
-                </a:solidFill>
-                <a:miter lim="800000"/>
-                <a:headEnd/>
-                <a:tailEnd/>
-              </a14:hiddenLine>
-            </a:ext>
-            <a:ext uri="{AF507438-7753-43E0-B8FC-AC1667EBCBE1}">
-              <a14:hiddenEffects xmlns:a14="http://schemas.microsoft.com/office/drawing/2010/main">
-                <a:effectLst>
-                  <a:outerShdw dist="35921" dir="2700000" algn="ctr" rotWithShape="0">
-                    <a:schemeClr val="bg2"/>
-                  </a:outerShdw>
-                </a:effectLst>
-              </a14:hiddenEffects>
-            </a:ext>
-          </a:extLst>
-        </p:spPr>
-        <p:txBody>
-          <a:bodyPr vert="horz" wrap="none" lIns="0" tIns="0" rIns="0" bIns="0" numCol="1" anchor="ctr" anchorCtr="0" compatLnSpc="1">
-            <a:prstTxWarp prst="textNoShape">
-              <a:avLst/>
-            </a:prstTxWarp>
-            <a:spAutoFit/>
-          </a:bodyPr>
-          <a:lstStyle/>
-          <a:p>
-            <a:pPr marL="0" marR="0" lvl="0" indent="0" algn="l" defTabSz="914400" rtl="0" eaLnBrk="0" fontAlgn="base" latinLnBrk="0" hangingPunct="0">
-              <a:lnSpc>
-                <a:spcPct val="100000"/>
-              </a:lnSpc>
-              <a:spcBef>
-                <a:spcPct val="0"/>
-              </a:spcBef>
-              <a:spcAft>
-                <a:spcPct val="0"/>
-              </a:spcAft>
-              <a:buClrTx/>
-              <a:buSzTx/>
-              <a:buFontTx/>
-              <a:buNone/>
-              <a:tabLst/>
-            </a:pPr>
-            <a:endParaRPr kumimoji="0" lang="en-US" altLang="en-US" sz="1800" b="0" i="0" u="none" strike="noStrike" cap="none" normalizeH="0" baseline="0" smtClean="0">
-              <a:ln>
-                <a:noFill/>
-              </a:ln>
-              <a:solidFill>
-                <a:schemeClr val="tx1"/>
-              </a:solidFill>
-              <a:effectLst/>
-              <a:latin typeface="Arial" panose="020B0604020202020204" pitchFamily="34" charset="0"/>
-            </a:endParaRPr>
-          </a:p>
-          <a:p>
-            <a:pPr marL="0" marR="0" lvl="0" indent="0" algn="l" defTabSz="914400" rtl="0" eaLnBrk="0" fontAlgn="base" latinLnBrk="0" hangingPunct="0">
-              <a:lnSpc>
-                <a:spcPct val="100000"/>
-              </a:lnSpc>
-              <a:spcBef>
-                <a:spcPct val="0"/>
-              </a:spcBef>
-              <a:spcAft>
-                <a:spcPct val="0"/>
-              </a:spcAft>
-              <a:buClrTx/>
-              <a:buSzTx/>
-              <a:buFontTx/>
-              <a:buChar char="•"/>
-              <a:tabLst/>
-            </a:pPr>
-            <a:r>
-              <a:rPr kumimoji="0" lang="en-US" altLang="en-US" sz="1200" b="0" i="0" u="none" strike="noStrike" cap="none" normalizeH="0" baseline="0" smtClean="0">
-                <a:ln>
-                  <a:noFill/>
-                </a:ln>
-                <a:solidFill>
-                  <a:srgbClr val="E6EDF3"/>
-                </a:solidFill>
-                <a:effectLst/>
-                <a:latin typeface="-apple-system"/>
-              </a:rPr>
-              <a:t>Khởi động lên thì cho Servo xoay đầu phía trước, tức servo 90 độ. Màn hình LED hiển thị mặt cười. Bật âm thanh </a:t>
-            </a:r>
-            <a:r>
-              <a:rPr kumimoji="0" lang="en-US" altLang="en-US" sz="900" b="0" i="0" u="none" strike="noStrike" cap="none" normalizeH="0" baseline="0" smtClean="0">
-                <a:ln>
-                  <a:noFill/>
-                </a:ln>
-                <a:solidFill>
-                  <a:srgbClr val="E6EDF3"/>
-                </a:solidFill>
-                <a:effectLst/>
-                <a:latin typeface="ui-monospace"/>
-              </a:rPr>
-              <a:t>power up</a:t>
-            </a:r>
-            <a:endParaRPr kumimoji="0" lang="en-US" altLang="en-US" sz="1200" b="0" i="0" u="none" strike="noStrike" cap="none" normalizeH="0" baseline="0" smtClean="0">
-              <a:ln>
-                <a:noFill/>
-              </a:ln>
-              <a:solidFill>
-                <a:srgbClr val="E6EDF3"/>
-              </a:solidFill>
-              <a:effectLst/>
-              <a:latin typeface="-apple-system"/>
-            </a:endParaRPr>
-          </a:p>
-          <a:p>
-            <a:pPr marL="0" marR="0" lvl="0" indent="0" algn="l" defTabSz="914400" rtl="0" eaLnBrk="0" fontAlgn="base" latinLnBrk="0" hangingPunct="0">
-              <a:lnSpc>
-                <a:spcPct val="100000"/>
-              </a:lnSpc>
-              <a:spcBef>
-                <a:spcPct val="0"/>
-              </a:spcBef>
-              <a:spcAft>
-                <a:spcPct val="0"/>
-              </a:spcAft>
-              <a:buClrTx/>
-              <a:buSzTx/>
-              <a:buFontTx/>
-              <a:buNone/>
-              <a:tabLst/>
-            </a:pPr>
-            <a:endParaRPr kumimoji="0" lang="en-US" altLang="en-US" sz="1800" b="0" i="0" u="none" strike="noStrike" cap="none" normalizeH="0" baseline="0" smtClean="0">
-              <a:ln>
-                <a:noFill/>
-              </a:ln>
-              <a:solidFill>
-                <a:schemeClr val="tx1"/>
-              </a:solidFill>
-              <a:effectLst/>
-              <a:latin typeface="Arial" panose="020B0604020202020204" pitchFamily="34" charset="0"/>
-            </a:endParaRPr>
-          </a:p>
-        </p:txBody>
-      </p:sp>
-      <p:sp>
-        <p:nvSpPr>
-          <p:cNvPr id="14" name="Title 1"/>
-          <p:cNvSpPr txBox="1">
-            <a:spLocks/>
-          </p:cNvSpPr>
-          <p:nvPr/>
-        </p:nvSpPr>
-        <p:spPr>
-          <a:xfrm>
-            <a:off x="1060366" y="4155454"/>
-            <a:ext cx="3979607" cy="1038721"/>
-          </a:xfrm>
-          <a:prstGeom prst="rect">
-            <a:avLst/>
-          </a:prstGeom>
-        </p:spPr>
-        <p:txBody>
-          <a:bodyPr/>
-          <a:lstStyle>
-            <a:lvl1pPr algn="l" defTabSz="914400" rtl="0" eaLnBrk="1" latinLnBrk="0" hangingPunct="1">
-              <a:lnSpc>
-                <a:spcPct val="90000"/>
-              </a:lnSpc>
-              <a:spcBef>
-                <a:spcPct val="0"/>
-              </a:spcBef>
-              <a:buNone/>
-              <a:defRPr sz="3200" b="1" kern="1200">
-                <a:solidFill>
-                  <a:srgbClr val="019DD0"/>
-                </a:solidFill>
-                <a:latin typeface="Arial" panose="020B0604020202020204" pitchFamily="34" charset="0"/>
-                <a:ea typeface="+mj-ea"/>
-                <a:cs typeface="Arial" panose="020B0604020202020204" pitchFamily="34" charset="0"/>
-              </a:defRPr>
-            </a:lvl1pPr>
-          </a:lstStyle>
-          <a:p>
-            <a:pPr>
-              <a:lnSpc>
-                <a:spcPct val="100000"/>
-              </a:lnSpc>
-            </a:pPr>
-            <a:r>
-              <a:rPr lang="en-US" sz="2000" b="0" dirty="0" smtClean="0">
-                <a:solidFill>
-                  <a:schemeClr val="tx1">
-                    <a:lumMod val="95000"/>
-                    <a:lumOff val="5000"/>
-                  </a:schemeClr>
-                </a:solidFill>
-                <a:ea typeface="Roboto Condensed" pitchFamily="2" charset="0"/>
-              </a:rPr>
-              <a:t>Chạm Logo </a:t>
-            </a:r>
-            <a:r>
-              <a:rPr lang="vi-VN" sz="2000" b="0" dirty="0" smtClean="0">
-                <a:solidFill>
-                  <a:schemeClr val="tx1">
-                    <a:lumMod val="95000"/>
-                    <a:lumOff val="5000"/>
-                  </a:schemeClr>
-                </a:solidFill>
-                <a:ea typeface="Roboto Condensed" pitchFamily="2" charset="0"/>
-              </a:rPr>
-              <a:t>đi </a:t>
-            </a:r>
-            <a:r>
-              <a:rPr lang="vi-VN" sz="2000" b="0" dirty="0">
-                <a:solidFill>
-                  <a:schemeClr val="tx1">
-                    <a:lumMod val="95000"/>
-                    <a:lumOff val="5000"/>
-                  </a:schemeClr>
-                </a:solidFill>
-                <a:ea typeface="Roboto Condensed" pitchFamily="2" charset="0"/>
-              </a:rPr>
-              <a:t>thẳng, Servo xoay về trước 90 độ, màn hình LED hiển thị mũi trên hướng lên</a:t>
-            </a:r>
-            <a:endParaRPr lang="en-US" sz="2000" dirty="0" smtClean="0">
-              <a:solidFill>
-                <a:schemeClr val="tx1">
-                  <a:lumMod val="95000"/>
-                  <a:lumOff val="5000"/>
-                </a:schemeClr>
-              </a:solidFill>
-              <a:ea typeface="Roboto Condensed" pitchFamily="2" charset="0"/>
-            </a:endParaRPr>
-          </a:p>
-        </p:txBody>
-      </p:sp>
-      <p:sp>
-        <p:nvSpPr>
-          <p:cNvPr id="16" name="Rectangle 15"/>
-          <p:cNvSpPr/>
-          <p:nvPr/>
-        </p:nvSpPr>
-        <p:spPr>
-          <a:xfrm>
-            <a:off x="822612" y="4298911"/>
-            <a:ext cx="171494" cy="171494"/>
-          </a:xfrm>
-          <a:prstGeom prst="rect">
-            <a:avLst/>
-          </a:prstGeom>
-          <a:solidFill>
-            <a:srgbClr val="64C7E9"/>
-          </a:solidFill>
-          <a:ln>
-            <a:noFill/>
-          </a:ln>
-        </p:spPr>
-        <p:style>
-          <a:lnRef idx="2">
-            <a:schemeClr val="accent1">
-              <a:shade val="50000"/>
-            </a:schemeClr>
-          </a:lnRef>
-          <a:fillRef idx="1">
-            <a:schemeClr val="accent1"/>
-          </a:fillRef>
-          <a:effectRef idx="0">
-            <a:schemeClr val="accent1"/>
-          </a:effectRef>
-          <a:fontRef idx="minor">
-            <a:schemeClr val="lt1"/>
-          </a:fontRef>
-        </p:style>
-        <p:txBody>
-          <a:bodyPr rtlCol="0" anchor="ctr"/>
-          <a:lstStyle/>
-          <a:p>
-            <a:pPr algn="ctr"/>
-            <a:endParaRPr lang="en-US"/>
-          </a:p>
-        </p:txBody>
-      </p:sp>
-      <p:sp>
-        <p:nvSpPr>
-          <p:cNvPr id="17" name="Title 1"/>
-          <p:cNvSpPr txBox="1">
-            <a:spLocks/>
-          </p:cNvSpPr>
-          <p:nvPr/>
-        </p:nvSpPr>
-        <p:spPr>
-          <a:xfrm>
-            <a:off x="1060366" y="5375917"/>
-            <a:ext cx="3979607" cy="1038721"/>
-          </a:xfrm>
-          <a:prstGeom prst="rect">
-            <a:avLst/>
-          </a:prstGeom>
-        </p:spPr>
-        <p:txBody>
-          <a:bodyPr/>
-          <a:lstStyle>
-            <a:lvl1pPr algn="l" defTabSz="914400" rtl="0" eaLnBrk="1" latinLnBrk="0" hangingPunct="1">
-              <a:lnSpc>
-                <a:spcPct val="90000"/>
-              </a:lnSpc>
-              <a:spcBef>
-                <a:spcPct val="0"/>
-              </a:spcBef>
-              <a:buNone/>
-              <a:defRPr sz="3200" b="1" kern="1200">
-                <a:solidFill>
-                  <a:srgbClr val="019DD0"/>
-                </a:solidFill>
-                <a:latin typeface="Arial" panose="020B0604020202020204" pitchFamily="34" charset="0"/>
-                <a:ea typeface="+mj-ea"/>
-                <a:cs typeface="Arial" panose="020B0604020202020204" pitchFamily="34" charset="0"/>
-              </a:defRPr>
-            </a:lvl1pPr>
-          </a:lstStyle>
-          <a:p>
-            <a:pPr>
-              <a:lnSpc>
-                <a:spcPct val="100000"/>
-              </a:lnSpc>
-            </a:pPr>
-            <a:r>
-              <a:rPr lang="vi-VN" sz="2000" b="0" dirty="0">
-                <a:solidFill>
-                  <a:schemeClr val="tx1">
-                    <a:lumMod val="95000"/>
-                    <a:lumOff val="5000"/>
-                  </a:schemeClr>
-                </a:solidFill>
-                <a:ea typeface="Roboto Condensed" pitchFamily="2" charset="0"/>
-              </a:rPr>
-              <a:t>Nhấn A+B, đi </a:t>
-            </a:r>
-            <a:r>
-              <a:rPr lang="en-US" sz="2000" b="0" dirty="0" smtClean="0">
-                <a:solidFill>
-                  <a:schemeClr val="tx1">
-                    <a:lumMod val="95000"/>
-                    <a:lumOff val="5000"/>
-                  </a:schemeClr>
-                </a:solidFill>
-                <a:ea typeface="Roboto Condensed" pitchFamily="2" charset="0"/>
-              </a:rPr>
-              <a:t>lùi</a:t>
-            </a:r>
-            <a:r>
-              <a:rPr lang="vi-VN" sz="2000" b="0" dirty="0" smtClean="0">
-                <a:solidFill>
-                  <a:schemeClr val="tx1">
-                    <a:lumMod val="95000"/>
-                    <a:lumOff val="5000"/>
-                  </a:schemeClr>
-                </a:solidFill>
-                <a:ea typeface="Roboto Condensed" pitchFamily="2" charset="0"/>
-              </a:rPr>
-              <a:t>, </a:t>
-            </a:r>
-            <a:r>
-              <a:rPr lang="vi-VN" sz="2000" b="0" dirty="0">
-                <a:solidFill>
-                  <a:schemeClr val="tx1">
-                    <a:lumMod val="95000"/>
-                    <a:lumOff val="5000"/>
-                  </a:schemeClr>
-                </a:solidFill>
-                <a:ea typeface="Roboto Condensed" pitchFamily="2" charset="0"/>
-              </a:rPr>
-              <a:t>Servo xoay về trước 90 độ, màn hình LED hiển thị mũi trên hướng </a:t>
-            </a:r>
-            <a:r>
-              <a:rPr lang="en-US" sz="2000" b="0" dirty="0" smtClean="0">
-                <a:solidFill>
-                  <a:schemeClr val="tx1">
-                    <a:lumMod val="95000"/>
-                    <a:lumOff val="5000"/>
-                  </a:schemeClr>
-                </a:solidFill>
-                <a:ea typeface="Roboto Condensed" pitchFamily="2" charset="0"/>
-              </a:rPr>
-              <a:t>lùi</a:t>
-            </a:r>
-            <a:endParaRPr lang="en-US" sz="2000" dirty="0" smtClean="0">
-              <a:solidFill>
-                <a:schemeClr val="tx1">
-                  <a:lumMod val="95000"/>
-                  <a:lumOff val="5000"/>
-                </a:schemeClr>
-              </a:solidFill>
-              <a:ea typeface="Roboto Condensed" pitchFamily="2" charset="0"/>
-            </a:endParaRPr>
-          </a:p>
-        </p:txBody>
-      </p:sp>
-      <p:sp>
-        <p:nvSpPr>
-          <p:cNvPr id="18" name="Rectangle 17"/>
-          <p:cNvSpPr/>
-          <p:nvPr/>
-        </p:nvSpPr>
-        <p:spPr>
-          <a:xfrm>
-            <a:off x="822612" y="5519374"/>
-            <a:ext cx="171494" cy="171494"/>
-          </a:xfrm>
-          <a:prstGeom prst="rect">
-            <a:avLst/>
-          </a:prstGeom>
-          <a:solidFill>
-            <a:srgbClr val="64C7E9"/>
-          </a:solidFill>
-          <a:ln>
-            <a:noFill/>
-          </a:ln>
-        </p:spPr>
-        <p:style>
-          <a:lnRef idx="2">
-            <a:schemeClr val="accent1">
-              <a:shade val="50000"/>
-            </a:schemeClr>
-          </a:lnRef>
-          <a:fillRef idx="1">
-            <a:schemeClr val="accent1"/>
-          </a:fillRef>
-          <a:effectRef idx="0">
-            <a:schemeClr val="accent1"/>
-          </a:effectRef>
-          <a:fontRef idx="minor">
-            <a:schemeClr val="lt1"/>
-          </a:fontRef>
-        </p:style>
-        <p:txBody>
-          <a:bodyPr rtlCol="0" anchor="ctr"/>
-          <a:lstStyle/>
-          <a:p>
-            <a:pPr algn="ctr"/>
-            <a:endParaRPr lang="en-US"/>
-          </a:p>
-        </p:txBody>
-      </p:sp>
-      <p:pic>
-        <p:nvPicPr>
-          <p:cNvPr id="8" name="Picture 7"/>
-          <p:cNvPicPr>
-            <a:picLocks noChangeAspect="1"/>
-          </p:cNvPicPr>
-          <p:nvPr/>
-        </p:nvPicPr>
-        <p:blipFill>
-          <a:blip r:embed="rId3"/>
-          <a:stretch>
-            <a:fillRect/>
-          </a:stretch>
-        </p:blipFill>
-        <p:spPr>
-          <a:xfrm>
-            <a:off x="5106233" y="1980045"/>
-            <a:ext cx="3004097" cy="3581544"/>
-          </a:xfrm>
-          <a:prstGeom prst="rect">
-            <a:avLst/>
-          </a:prstGeom>
-        </p:spPr>
-      </p:pic>
-      <p:sp>
-        <p:nvSpPr>
-          <p:cNvPr id="19" name="TextBox 18"/>
-          <p:cNvSpPr txBox="1"/>
-          <p:nvPr/>
-        </p:nvSpPr>
-        <p:spPr>
-          <a:xfrm>
-            <a:off x="5256117" y="5753046"/>
-            <a:ext cx="2911032" cy="369332"/>
-          </a:xfrm>
-          <a:prstGeom prst="rect">
-            <a:avLst/>
-          </a:prstGeom>
-          <a:noFill/>
-        </p:spPr>
-        <p:txBody>
-          <a:bodyPr wrap="square" rtlCol="0">
-            <a:spAutoFit/>
-          </a:bodyPr>
-          <a:lstStyle/>
-          <a:p>
-            <a:r>
-              <a:rPr lang="en-US" i="1" dirty="0" smtClean="0">
-                <a:cs typeface="Arial" panose="020B0604020202020204" pitchFamily="34" charset="0"/>
-              </a:rPr>
-              <a:t>Âm thanh tín hiệu cấp cứu</a:t>
-            </a:r>
-            <a:endParaRPr lang="en-US" i="1" dirty="0">
-              <a:latin typeface="Arial" panose="020B0604020202020204" pitchFamily="34" charset="0"/>
-              <a:cs typeface="Arial" panose="020B0604020202020204" pitchFamily="34" charset="0"/>
-            </a:endParaRPr>
-          </a:p>
-        </p:txBody>
-      </p:sp>
-    </p:spTree>
-    <p:extLst>
-      <p:ext uri="{BB962C8B-B14F-4D97-AF65-F5344CB8AC3E}">
-        <p14:creationId xmlns:p14="http://schemas.microsoft.com/office/powerpoint/2010/main" val="2242256468"/>
-      </p:ext>
-    </p:extLst>
-  </p:cSld>
-  <p:clrMapOvr>
-    <a:masterClrMapping/>
-  </p:clrMapOvr>
-</p:sld>
-</file>
-
-<file path=ppt/slides/slide16.xml><?xml version="1.0" encoding="utf-8"?>
-<p:sld xmlns:a="http://schemas.openxmlformats.org/drawingml/2006/main" xmlns:r="http://schemas.openxmlformats.org/officeDocument/2006/relationships" xmlns:p="http://schemas.openxmlformats.org/presentationml/2006/main">
-  <p:cSld>
-    <p:spTree>
-      <p:nvGrpSpPr>
-        <p:cNvPr id="1" name=""/>
-        <p:cNvGrpSpPr/>
-        <p:nvPr/>
-      </p:nvGrpSpPr>
-      <p:grpSpPr>
-        <a:xfrm>
-          <a:off x="0" y="0"/>
-          <a:ext cx="0" cy="0"/>
-          <a:chOff x="0" y="0"/>
-          <a:chExt cx="0" cy="0"/>
-        </a:xfrm>
-      </p:grpSpPr>
-      <p:sp>
-        <p:nvSpPr>
-          <p:cNvPr id="2" name="Slide Number Placeholder 1"/>
-          <p:cNvSpPr>
-            <a:spLocks noGrp="1"/>
-          </p:cNvSpPr>
-          <p:nvPr>
-            <p:ph type="sldNum" sz="quarter" idx="12"/>
-          </p:nvPr>
-        </p:nvSpPr>
-        <p:spPr/>
-        <p:txBody>
-          <a:bodyPr/>
-          <a:lstStyle/>
-          <a:p>
-            <a:fld id="{7D9EC917-02A2-4152-9EE3-DFE2775A77C7}" type="slidenum">
-              <a:rPr lang="en-US" smtClean="0"/>
-              <a:pPr/>
-              <a:t>16</a:t>
-            </a:fld>
-            <a:endParaRPr lang="en-US"/>
-          </a:p>
-        </p:txBody>
-      </p:sp>
-      <p:sp>
-        <p:nvSpPr>
-          <p:cNvPr id="7" name="TextBox 6"/>
-          <p:cNvSpPr txBox="1"/>
-          <p:nvPr/>
-        </p:nvSpPr>
-        <p:spPr>
-          <a:xfrm>
-            <a:off x="1098980" y="1272143"/>
-            <a:ext cx="6401750" cy="461665"/>
-          </a:xfrm>
-          <a:prstGeom prst="rect">
-            <a:avLst/>
-          </a:prstGeom>
-          <a:noFill/>
-        </p:spPr>
-        <p:txBody>
-          <a:bodyPr wrap="square" rtlCol="0">
-            <a:spAutoFit/>
-          </a:bodyPr>
-          <a:lstStyle/>
-          <a:p>
-            <a:r>
-              <a:rPr lang="en-US" sz="2400" b="1" dirty="0" smtClean="0">
-                <a:solidFill>
-                  <a:schemeClr val="tx1">
-                    <a:lumMod val="85000"/>
-                    <a:lumOff val="15000"/>
-                  </a:schemeClr>
-                </a:solidFill>
-                <a:latin typeface="UTM Helve" panose="02040603050506020204" pitchFamily="18" charset="0"/>
-                <a:ea typeface="Roboto" pitchFamily="2" charset="0"/>
-              </a:rPr>
-              <a:t>Xe </a:t>
-            </a:r>
-            <a:r>
-              <a:rPr lang="en-US" sz="2400" b="1" dirty="0" smtClean="0">
-                <a:solidFill>
-                  <a:schemeClr val="tx1">
-                    <a:lumMod val="85000"/>
-                    <a:lumOff val="15000"/>
-                  </a:schemeClr>
-                </a:solidFill>
-                <a:latin typeface="UTM Helve" panose="02040603050506020204" pitchFamily="18" charset="0"/>
-                <a:ea typeface="Roboto" pitchFamily="2" charset="0"/>
-              </a:rPr>
-              <a:t>buýt đến trường</a:t>
-            </a:r>
-            <a:endParaRPr lang="en-US" sz="2400" b="1" dirty="0">
-              <a:solidFill>
-                <a:schemeClr val="tx1">
-                  <a:lumMod val="85000"/>
-                  <a:lumOff val="15000"/>
-                </a:schemeClr>
-              </a:solidFill>
-              <a:latin typeface="UTM Helve" panose="02040603050506020204" pitchFamily="18" charset="0"/>
-              <a:ea typeface="Roboto" pitchFamily="2" charset="0"/>
-            </a:endParaRPr>
-          </a:p>
-        </p:txBody>
-      </p:sp>
-      <p:pic>
-        <p:nvPicPr>
-          <p:cNvPr id="8" name="Picture 7"/>
-          <p:cNvPicPr>
-            <a:picLocks noChangeAspect="1"/>
-          </p:cNvPicPr>
-          <p:nvPr/>
-        </p:nvPicPr>
-        <p:blipFill>
-          <a:blip r:embed="rId2">
-            <a:extLst>
-              <a:ext uri="{28A0092B-C50C-407E-A947-70E740481C1C}">
-                <a14:useLocalDpi xmlns:a14="http://schemas.microsoft.com/office/drawing/2010/main" val="0"/>
-              </a:ext>
-            </a:extLst>
-          </a:blip>
-          <a:stretch>
-            <a:fillRect/>
-          </a:stretch>
-        </p:blipFill>
-        <p:spPr>
-          <a:xfrm>
-            <a:off x="542728" y="1345100"/>
-            <a:ext cx="466725" cy="409575"/>
-          </a:xfrm>
-          <a:prstGeom prst="rect">
-            <a:avLst/>
-          </a:prstGeom>
-        </p:spPr>
-      </p:pic>
-      <p:sp>
-        <p:nvSpPr>
-          <p:cNvPr id="19" name="Title 1"/>
-          <p:cNvSpPr txBox="1">
-            <a:spLocks/>
-          </p:cNvSpPr>
-          <p:nvPr/>
-        </p:nvSpPr>
-        <p:spPr>
-          <a:xfrm>
-            <a:off x="542728" y="1927140"/>
-            <a:ext cx="7790129" cy="772904"/>
-          </a:xfrm>
-          <a:prstGeom prst="rect">
-            <a:avLst/>
-          </a:prstGeom>
-        </p:spPr>
-        <p:txBody>
-          <a:bodyPr/>
-          <a:lstStyle>
-            <a:lvl1pPr algn="l" defTabSz="914400" rtl="0" eaLnBrk="1" latinLnBrk="0" hangingPunct="1">
-              <a:lnSpc>
-                <a:spcPct val="90000"/>
-              </a:lnSpc>
-              <a:spcBef>
-                <a:spcPct val="0"/>
-              </a:spcBef>
-              <a:buNone/>
-              <a:defRPr sz="3200" b="1" kern="1200">
-                <a:solidFill>
-                  <a:srgbClr val="019DD0"/>
-                </a:solidFill>
-                <a:latin typeface="Arial" panose="020B0604020202020204" pitchFamily="34" charset="0"/>
-                <a:ea typeface="+mj-ea"/>
-                <a:cs typeface="Arial" panose="020B0604020202020204" pitchFamily="34" charset="0"/>
-              </a:defRPr>
-            </a:lvl1pPr>
-          </a:lstStyle>
-          <a:p>
-            <a:pPr>
-              <a:lnSpc>
-                <a:spcPct val="100000"/>
-              </a:lnSpc>
-            </a:pPr>
-            <a:r>
-              <a:rPr lang="en-US" sz="2000" b="0" dirty="0" smtClean="0">
-                <a:solidFill>
-                  <a:schemeClr val="tx1">
-                    <a:lumMod val="95000"/>
-                    <a:lumOff val="5000"/>
-                  </a:schemeClr>
-                </a:solidFill>
-                <a:ea typeface="Roboto Condensed" pitchFamily="2" charset="0"/>
-              </a:rPr>
-              <a:t>Áp dụng tất cả các kiến thức đã học lập trình giả lập zoom:bit như một chiếc xe buýt đón học sinh đến trường.</a:t>
-            </a:r>
-            <a:endParaRPr lang="vi-VN" sz="2000" b="0" dirty="0">
-              <a:solidFill>
-                <a:schemeClr val="tx1">
-                  <a:lumMod val="95000"/>
-                  <a:lumOff val="5000"/>
-                </a:schemeClr>
-              </a:solidFill>
-              <a:ea typeface="Roboto Condensed" pitchFamily="2" charset="0"/>
-            </a:endParaRPr>
-          </a:p>
-        </p:txBody>
-      </p:sp>
-      <p:sp>
-        <p:nvSpPr>
-          <p:cNvPr id="28" name="Rectangle 27"/>
-          <p:cNvSpPr/>
-          <p:nvPr/>
-        </p:nvSpPr>
-        <p:spPr>
-          <a:xfrm>
-            <a:off x="301925" y="1051379"/>
-            <a:ext cx="8454964" cy="27432"/>
-          </a:xfrm>
-          <a:prstGeom prst="rect">
-            <a:avLst/>
-          </a:prstGeom>
-          <a:gradFill flip="none" rotWithShape="1">
-            <a:gsLst>
-              <a:gs pos="15000">
-                <a:srgbClr val="67C7DF"/>
-              </a:gs>
-              <a:gs pos="100000">
-                <a:srgbClr val="5EB130"/>
-              </a:gs>
-            </a:gsLst>
-            <a:lin ang="0" scaled="1"/>
-            <a:tileRect/>
-          </a:gradFill>
-          <a:ln>
-            <a:noFill/>
-          </a:ln>
-        </p:spPr>
-        <p:style>
-          <a:lnRef idx="2">
-            <a:schemeClr val="accent1">
-              <a:shade val="50000"/>
-            </a:schemeClr>
-          </a:lnRef>
-          <a:fillRef idx="1">
-            <a:schemeClr val="accent1"/>
-          </a:fillRef>
-          <a:effectRef idx="0">
-            <a:schemeClr val="accent1"/>
-          </a:effectRef>
-          <a:fontRef idx="minor">
-            <a:schemeClr val="lt1"/>
-          </a:fontRef>
-        </p:style>
-        <p:txBody>
-          <a:bodyPr rtlCol="0" anchor="ctr"/>
-          <a:lstStyle/>
-          <a:p>
-            <a:pPr algn="ctr"/>
-            <a:endParaRPr lang="en-US"/>
-          </a:p>
-        </p:txBody>
-      </p:sp>
-      <p:sp>
-        <p:nvSpPr>
-          <p:cNvPr id="30" name="TextBox 29"/>
-          <p:cNvSpPr txBox="1"/>
-          <p:nvPr/>
-        </p:nvSpPr>
-        <p:spPr>
-          <a:xfrm>
-            <a:off x="248815" y="546584"/>
-            <a:ext cx="7374995" cy="461665"/>
-          </a:xfrm>
-          <a:prstGeom prst="rect">
-            <a:avLst/>
-          </a:prstGeom>
-          <a:noFill/>
-        </p:spPr>
-        <p:txBody>
-          <a:bodyPr wrap="square" rtlCol="0">
-            <a:spAutoFit/>
-          </a:bodyPr>
-          <a:lstStyle/>
-          <a:p>
-            <a:r>
-              <a:rPr lang="en-US" sz="2400" b="1" dirty="0" smtClean="0">
-                <a:solidFill>
-                  <a:srgbClr val="64C7E9"/>
-                </a:solidFill>
-                <a:latin typeface="UTM Helve" panose="02040603050506020204" pitchFamily="18" charset="0"/>
-                <a:ea typeface="Roboto" pitchFamily="2" charset="0"/>
-              </a:rPr>
-              <a:t>12.4 Hoạt động học viên</a:t>
-            </a:r>
-            <a:endParaRPr lang="en-US" sz="2400" b="1" dirty="0">
-              <a:solidFill>
-                <a:srgbClr val="64C7E9"/>
-              </a:solidFill>
-              <a:latin typeface="UTM Helve" panose="02040603050506020204" pitchFamily="18" charset="0"/>
-              <a:ea typeface="Roboto" pitchFamily="2" charset="0"/>
-            </a:endParaRPr>
-          </a:p>
-        </p:txBody>
-      </p:sp>
-      <p:sp>
-        <p:nvSpPr>
-          <p:cNvPr id="31" name="Rectangle 30"/>
-          <p:cNvSpPr/>
-          <p:nvPr/>
-        </p:nvSpPr>
-        <p:spPr>
-          <a:xfrm flipV="1">
-            <a:off x="0" y="5976731"/>
-            <a:ext cx="9144000" cy="671718"/>
-          </a:xfrm>
-          <a:prstGeom prst="rect">
-            <a:avLst/>
-          </a:prstGeom>
-          <a:solidFill>
-            <a:srgbClr val="666666"/>
-          </a:solidFill>
-          <a:ln>
-            <a:noFill/>
-          </a:ln>
-        </p:spPr>
-        <p:style>
-          <a:lnRef idx="2">
-            <a:schemeClr val="accent1">
-              <a:shade val="50000"/>
-            </a:schemeClr>
-          </a:lnRef>
-          <a:fillRef idx="1">
-            <a:schemeClr val="accent1"/>
-          </a:fillRef>
-          <a:effectRef idx="0">
-            <a:schemeClr val="accent1"/>
-          </a:effectRef>
-          <a:fontRef idx="minor">
-            <a:schemeClr val="lt1"/>
-          </a:fontRef>
-        </p:style>
-        <p:txBody>
-          <a:bodyPr rtlCol="0" anchor="ctr"/>
-          <a:lstStyle/>
-          <a:p>
-            <a:pPr algn="ctr"/>
-            <a:endParaRPr lang="en-US"/>
-          </a:p>
-        </p:txBody>
-      </p:sp>
-      <p:pic>
-        <p:nvPicPr>
-          <p:cNvPr id="12" name="Picture 11"/>
-          <p:cNvPicPr>
-            <a:picLocks noChangeAspect="1"/>
-          </p:cNvPicPr>
-          <p:nvPr/>
-        </p:nvPicPr>
-        <p:blipFill>
-          <a:blip r:embed="rId3">
-            <a:extLst>
-              <a:ext uri="{28A0092B-C50C-407E-A947-70E740481C1C}">
-                <a14:useLocalDpi xmlns:a14="http://schemas.microsoft.com/office/drawing/2010/main" val="0"/>
-              </a:ext>
-            </a:extLst>
-          </a:blip>
-          <a:stretch>
-            <a:fillRect/>
-          </a:stretch>
-        </p:blipFill>
-        <p:spPr>
-          <a:xfrm>
-            <a:off x="5595915" y="2138096"/>
-            <a:ext cx="3548085" cy="3394335"/>
-          </a:xfrm>
-          <a:prstGeom prst="rect">
-            <a:avLst/>
-          </a:prstGeom>
-        </p:spPr>
-      </p:pic>
-      <p:pic>
-        <p:nvPicPr>
-          <p:cNvPr id="13" name="Picture 12"/>
-          <p:cNvPicPr>
-            <a:picLocks noChangeAspect="1"/>
-          </p:cNvPicPr>
-          <p:nvPr/>
-        </p:nvPicPr>
-        <p:blipFill>
-          <a:blip r:embed="rId4">
-            <a:extLst>
-              <a:ext uri="{28A0092B-C50C-407E-A947-70E740481C1C}">
-                <a14:useLocalDpi xmlns:a14="http://schemas.microsoft.com/office/drawing/2010/main" val="0"/>
-              </a:ext>
-            </a:extLst>
-          </a:blip>
-          <a:stretch>
-            <a:fillRect/>
-          </a:stretch>
-        </p:blipFill>
-        <p:spPr>
-          <a:xfrm>
-            <a:off x="74463" y="3347654"/>
-            <a:ext cx="1615200" cy="2368960"/>
-          </a:xfrm>
-          <a:prstGeom prst="rect">
-            <a:avLst/>
-          </a:prstGeom>
-        </p:spPr>
-      </p:pic>
-      <p:pic>
-        <p:nvPicPr>
-          <p:cNvPr id="9" name="Picture 8"/>
-          <p:cNvPicPr>
-            <a:picLocks noChangeAspect="1"/>
-          </p:cNvPicPr>
-          <p:nvPr/>
-        </p:nvPicPr>
-        <p:blipFill>
-          <a:blip r:embed="rId5">
-            <a:extLst>
-              <a:ext uri="{28A0092B-C50C-407E-A947-70E740481C1C}">
-                <a14:useLocalDpi xmlns:a14="http://schemas.microsoft.com/office/drawing/2010/main" val="0"/>
-              </a:ext>
-            </a:extLst>
-          </a:blip>
-          <a:stretch>
-            <a:fillRect/>
-          </a:stretch>
-        </p:blipFill>
-        <p:spPr>
-          <a:xfrm>
-            <a:off x="5237922" y="4568011"/>
-            <a:ext cx="3336235" cy="1993400"/>
-          </a:xfrm>
-          <a:prstGeom prst="rect">
-            <a:avLst/>
-          </a:prstGeom>
-        </p:spPr>
-      </p:pic>
-      <p:pic>
-        <p:nvPicPr>
-          <p:cNvPr id="10" name="Picture 9"/>
-          <p:cNvPicPr>
-            <a:picLocks noChangeAspect="1"/>
-          </p:cNvPicPr>
-          <p:nvPr/>
-        </p:nvPicPr>
-        <p:blipFill>
-          <a:blip r:embed="rId6">
-            <a:extLst>
-              <a:ext uri="{28A0092B-C50C-407E-A947-70E740481C1C}">
-                <a14:useLocalDpi xmlns:a14="http://schemas.microsoft.com/office/drawing/2010/main" val="0"/>
-              </a:ext>
-            </a:extLst>
-          </a:blip>
-          <a:stretch>
-            <a:fillRect/>
-          </a:stretch>
-        </p:blipFill>
-        <p:spPr>
-          <a:xfrm>
-            <a:off x="-1554" y="3220278"/>
-            <a:ext cx="4613310" cy="2756453"/>
-          </a:xfrm>
-          <a:prstGeom prst="rect">
-            <a:avLst/>
-          </a:prstGeom>
-        </p:spPr>
-      </p:pic>
-    </p:spTree>
-    <p:extLst>
-      <p:ext uri="{BB962C8B-B14F-4D97-AF65-F5344CB8AC3E}">
-        <p14:creationId xmlns:p14="http://schemas.microsoft.com/office/powerpoint/2010/main" val="2524373397"/>
-      </p:ext>
-    </p:extLst>
-  </p:cSld>
-  <p:clrMapOvr>
-    <a:masterClrMapping/>
-  </p:clrMapOvr>
-</p:sld>
-</file>
-
-<file path=ppt/slides/slide17.xml><?xml version="1.0" encoding="utf-8"?>
-<p:sld xmlns:a="http://schemas.openxmlformats.org/drawingml/2006/main" xmlns:r="http://schemas.openxmlformats.org/officeDocument/2006/relationships" xmlns:p="http://schemas.openxmlformats.org/presentationml/2006/main">
-  <p:cSld>
-    <p:spTree>
-      <p:nvGrpSpPr>
-        <p:cNvPr id="1" name=""/>
-        <p:cNvGrpSpPr/>
-        <p:nvPr/>
-      </p:nvGrpSpPr>
-      <p:grpSpPr>
-        <a:xfrm>
-          <a:off x="0" y="0"/>
-          <a:ext cx="0" cy="0"/>
-          <a:chOff x="0" y="0"/>
-          <a:chExt cx="0" cy="0"/>
-        </a:xfrm>
-      </p:grpSpPr>
-      <p:sp>
-        <p:nvSpPr>
-          <p:cNvPr id="2" name="Slide Number Placeholder 1"/>
-          <p:cNvSpPr>
-            <a:spLocks noGrp="1"/>
-          </p:cNvSpPr>
-          <p:nvPr>
-            <p:ph type="sldNum" sz="quarter" idx="12"/>
-          </p:nvPr>
-        </p:nvSpPr>
-        <p:spPr/>
-        <p:txBody>
-          <a:bodyPr/>
-          <a:lstStyle/>
-          <a:p>
-            <a:fld id="{7D9EC917-02A2-4152-9EE3-DFE2775A77C7}" type="slidenum">
-              <a:rPr lang="en-US" smtClean="0"/>
-              <a:pPr/>
-              <a:t>17</a:t>
-            </a:fld>
-            <a:endParaRPr lang="en-US"/>
-          </a:p>
-        </p:txBody>
-      </p:sp>
-      <p:sp>
-        <p:nvSpPr>
-          <p:cNvPr id="3" name="TextBox 2"/>
-          <p:cNvSpPr txBox="1"/>
-          <p:nvPr/>
-        </p:nvSpPr>
-        <p:spPr>
-          <a:xfrm>
-            <a:off x="1098980" y="1272143"/>
-            <a:ext cx="6401750" cy="461665"/>
-          </a:xfrm>
-          <a:prstGeom prst="rect">
-            <a:avLst/>
-          </a:prstGeom>
-          <a:noFill/>
-        </p:spPr>
-        <p:txBody>
-          <a:bodyPr wrap="square" rtlCol="0">
-            <a:spAutoFit/>
-          </a:bodyPr>
-          <a:lstStyle/>
-          <a:p>
-            <a:r>
-              <a:rPr lang="en-US" sz="2400" b="1" dirty="0" smtClean="0">
-                <a:solidFill>
-                  <a:schemeClr val="tx1">
-                    <a:lumMod val="85000"/>
-                    <a:lumOff val="15000"/>
-                  </a:schemeClr>
-                </a:solidFill>
-                <a:latin typeface="UTM Helve" panose="02040603050506020204" pitchFamily="18" charset="0"/>
-                <a:ea typeface="Roboto" pitchFamily="2" charset="0"/>
-              </a:rPr>
-              <a:t>Xe </a:t>
-            </a:r>
-            <a:r>
-              <a:rPr lang="en-US" sz="2400" b="1" dirty="0" smtClean="0">
-                <a:solidFill>
-                  <a:schemeClr val="tx1">
-                    <a:lumMod val="85000"/>
-                    <a:lumOff val="15000"/>
-                  </a:schemeClr>
-                </a:solidFill>
-                <a:latin typeface="UTM Helve" panose="02040603050506020204" pitchFamily="18" charset="0"/>
-                <a:ea typeface="Roboto" pitchFamily="2" charset="0"/>
-              </a:rPr>
-              <a:t>buýt đến trường</a:t>
+              <a:t>Xe buýt đến trường</a:t>
             </a:r>
             <a:endParaRPr lang="en-US" sz="2400" b="1" dirty="0">
               <a:solidFill>
@@ -8058,13 +7136,7 @@
               <a:rPr lang="en-US" sz="2000" dirty="0" smtClean="0">
                 <a:cs typeface="Arial" panose="020B0604020202020204" pitchFamily="34" charset="0"/>
               </a:rPr>
-              <a:t>là 2 động cơ sử dụng nguồn điện 1 chiều DC được gắn thêm 2 bánh xe, điều khiển bởi bo mạch </a:t>
-            </a:r>
-            <a:r>
-              <a:rPr lang="en-US" sz="2000" dirty="0" smtClean="0">
-                <a:cs typeface="Arial" panose="020B0604020202020204" pitchFamily="34" charset="0"/>
-              </a:rPr>
-              <a:t>reka:bit</a:t>
+              <a:t>là 2 động cơ sử dụng nguồn điện 1 chiều DC được gắn thêm 2 bánh xe, điều khiển bởi bo mạch reka:bit</a:t>
             </a:r>
             <a:endParaRPr lang="en-US" sz="2000" dirty="0">
               <a:latin typeface="Arial" panose="020B0604020202020204" pitchFamily="34" charset="0"/>
@@ -8358,13 +7430,7 @@
               <a:rPr lang="en-US" sz="2000" dirty="0" smtClean="0">
                 <a:cs typeface="Arial" panose="020B0604020202020204" pitchFamily="34" charset="0"/>
               </a:rPr>
-              <a:t>được kết nối với </a:t>
-            </a:r>
-            <a:r>
-              <a:rPr lang="en-US" sz="2000" dirty="0" smtClean="0">
-                <a:cs typeface="Arial" panose="020B0604020202020204" pitchFamily="34" charset="0"/>
-              </a:rPr>
-              <a:t>bo mạch reka:bit, bạn có thể sử dụng 4 nút màu trắng ở vị trí </a:t>
+              <a:t>được kết nối với bo mạch reka:bit, bạn có thể sử dụng 4 nút màu trắng ở vị trí </a:t>
             </a:r>
             <a:r>
               <a:rPr lang="en-US" sz="2000" dirty="0">
@@ -9137,17 +8203,7 @@
                 <a:latin typeface="UTM Helve" panose="02040603050506020204" pitchFamily="18" charset="0"/>
                 <a:ea typeface="Roboto" pitchFamily="2" charset="0"/>
               </a:rPr>
-              <a:t>14.2 </a:t>
-            </a:r>
-            <a:r>
-              <a:rPr lang="en-US" sz="2400" b="1" dirty="0" smtClean="0">
-                <a:solidFill>
-                  <a:srgbClr val="64C7E9"/>
-                </a:solidFill>
-                <a:latin typeface="UTM Helve" panose="02040603050506020204" pitchFamily="18" charset="0"/>
-                <a:ea typeface="Roboto" pitchFamily="2" charset="0"/>
-              </a:rPr>
-              <a:t>Cài đặt Extentions</a:t>
+              <a:t>14.2 Cài đặt Extentions</a:t>
             </a:r>
             <a:endParaRPr lang="en-US" sz="2400" b="1" dirty="0">
               <a:solidFill>
@@ -9631,13 +8687,7 @@
               <a:rPr lang="en-US" sz="2000" dirty="0" smtClean="0">
                 <a:cs typeface="Arial" panose="020B0604020202020204" pitchFamily="34" charset="0"/>
               </a:rPr>
-              <a:t>Trong bài học này chúng ta tìm hiểu cách điều khiển </a:t>
-            </a:r>
-            <a:r>
-              <a:rPr lang="en-US" sz="2000" dirty="0" smtClean="0">
-                <a:cs typeface="Arial" panose="020B0604020202020204" pitchFamily="34" charset="0"/>
-              </a:rPr>
-              <a:t>DC Motor với các Block</a:t>
+              <a:t>Trong bài học này chúng ta tìm hiểu cách điều khiển DC Motor với các Block</a:t>
             </a:r>
             <a:endParaRPr lang="en-US" sz="2000" dirty="0">
               <a:latin typeface="Arial" panose="020B0604020202020204" pitchFamily="34" charset="0"/>
@@ -10240,13 +9290,7 @@
               <a:rPr lang="en-US" sz="2000" dirty="0" smtClean="0">
                 <a:cs typeface="Arial" panose="020B0604020202020204" pitchFamily="34" charset="0"/>
               </a:rPr>
-              <a:t>Nhấn nút A thì </a:t>
-            </a:r>
-            <a:r>
-              <a:rPr lang="en-US" sz="2000" dirty="0" smtClean="0">
-                <a:cs typeface="Arial" panose="020B0604020202020204" pitchFamily="34" charset="0"/>
-              </a:rPr>
-              <a:t>cho xe rẻ phải</a:t>
+              <a:t>Nhấn nút A thì cho xe rẻ phải</a:t>
             </a:r>
             <a:endParaRPr lang="en-US" dirty="0">
               <a:latin typeface="Arial" panose="020B0604020202020204" pitchFamily="34" charset="0"/>
@@ -10451,13 +9495,7 @@
               <a:rPr lang="en-US" sz="2000" dirty="0" smtClean="0">
                 <a:cs typeface="Arial" panose="020B0604020202020204" pitchFamily="34" charset="0"/>
               </a:rPr>
-              <a:t>Nhấn nút B thì </a:t>
-            </a:r>
-            <a:r>
-              <a:rPr lang="en-US" sz="2000" dirty="0" smtClean="0">
-                <a:cs typeface="Arial" panose="020B0604020202020204" pitchFamily="34" charset="0"/>
-              </a:rPr>
-              <a:t>cho xe rẻ trái</a:t>
+              <a:t>Nhấn nút B thì cho xe rẻ trái</a:t>
             </a:r>
             <a:endParaRPr lang="en-US" dirty="0">
               <a:latin typeface="Arial" panose="020B0604020202020204" pitchFamily="34" charset="0"/>
@@ -10492,13 +9530,7 @@
               <a:rPr lang="en-US" sz="2000" dirty="0" smtClean="0">
                 <a:cs typeface="Arial" panose="020B0604020202020204" pitchFamily="34" charset="0"/>
               </a:rPr>
-              <a:t>Nhấn nút A+B thì </a:t>
-            </a:r>
-            <a:r>
-              <a:rPr lang="en-US" sz="2000" dirty="0" smtClean="0">
-                <a:cs typeface="Arial" panose="020B0604020202020204" pitchFamily="34" charset="0"/>
-              </a:rPr>
-              <a:t>cho xe chạy lùi</a:t>
+              <a:t>Nhấn nút A+B thì cho xe chạy lùi</a:t>
             </a:r>
             <a:endParaRPr lang="en-US" dirty="0">
               <a:latin typeface="Arial" panose="020B0604020202020204" pitchFamily="34" charset="0"/>
